--- a/Automated Market Makers.pptx
+++ b/Automated Market Makers.pptx
@@ -5,7 +5,7 @@
     <p:sldMasterId id="2147483738" r:id="rId1"/>
   </p:sldMasterIdLst>
   <p:notesMasterIdLst>
-    <p:notesMasterId r:id="rId29"/>
+    <p:notesMasterId r:id="rId31"/>
   </p:notesMasterIdLst>
   <p:sldIdLst>
     <p:sldId id="256" r:id="rId2"/>
@@ -14,27 +14,29 @@
     <p:sldId id="258" r:id="rId5"/>
     <p:sldId id="263" r:id="rId6"/>
     <p:sldId id="264" r:id="rId7"/>
-    <p:sldId id="293" r:id="rId8"/>
-    <p:sldId id="265" r:id="rId9"/>
-    <p:sldId id="269" r:id="rId10"/>
-    <p:sldId id="271" r:id="rId11"/>
-    <p:sldId id="273" r:id="rId12"/>
-    <p:sldId id="272" r:id="rId13"/>
-    <p:sldId id="292" r:id="rId14"/>
-    <p:sldId id="270" r:id="rId15"/>
-    <p:sldId id="274" r:id="rId16"/>
-    <p:sldId id="275" r:id="rId17"/>
-    <p:sldId id="291" r:id="rId18"/>
-    <p:sldId id="276" r:id="rId19"/>
-    <p:sldId id="278" r:id="rId20"/>
-    <p:sldId id="279" r:id="rId21"/>
-    <p:sldId id="290" r:id="rId22"/>
-    <p:sldId id="282" r:id="rId23"/>
-    <p:sldId id="287" r:id="rId24"/>
-    <p:sldId id="284" r:id="rId25"/>
-    <p:sldId id="286" r:id="rId26"/>
-    <p:sldId id="288" r:id="rId27"/>
-    <p:sldId id="289" r:id="rId28"/>
+    <p:sldId id="296" r:id="rId8"/>
+    <p:sldId id="293" r:id="rId9"/>
+    <p:sldId id="265" r:id="rId10"/>
+    <p:sldId id="269" r:id="rId11"/>
+    <p:sldId id="297" r:id="rId12"/>
+    <p:sldId id="271" r:id="rId13"/>
+    <p:sldId id="273" r:id="rId14"/>
+    <p:sldId id="272" r:id="rId15"/>
+    <p:sldId id="292" r:id="rId16"/>
+    <p:sldId id="270" r:id="rId17"/>
+    <p:sldId id="274" r:id="rId18"/>
+    <p:sldId id="275" r:id="rId19"/>
+    <p:sldId id="291" r:id="rId20"/>
+    <p:sldId id="276" r:id="rId21"/>
+    <p:sldId id="278" r:id="rId22"/>
+    <p:sldId id="279" r:id="rId23"/>
+    <p:sldId id="290" r:id="rId24"/>
+    <p:sldId id="282" r:id="rId25"/>
+    <p:sldId id="287" r:id="rId26"/>
+    <p:sldId id="284" r:id="rId27"/>
+    <p:sldId id="286" r:id="rId28"/>
+    <p:sldId id="288" r:id="rId29"/>
+    <p:sldId id="289" r:id="rId30"/>
   </p:sldIdLst>
   <p:sldSz cx="12192000" cy="6858000"/>
   <p:notesSz cx="6858000" cy="9144000"/>
@@ -144,9 +146,11 @@
             <p14:sldId id="258"/>
             <p14:sldId id="263"/>
             <p14:sldId id="264"/>
+            <p14:sldId id="296"/>
             <p14:sldId id="293"/>
             <p14:sldId id="265"/>
             <p14:sldId id="269"/>
+            <p14:sldId id="297"/>
             <p14:sldId id="271"/>
             <p14:sldId id="273"/>
             <p14:sldId id="272"/>
@@ -258,7 +262,7 @@
           <a:p>
             <a:fld id="{D371FA8D-B60B-4538-ABC7-436764FCB4D8}" type="datetimeFigureOut">
               <a:rPr lang="es-ES" smtClean="0"/>
-              <a:t>06/12/2025</a:t>
+              <a:t>10/12/2025</a:t>
             </a:fld>
             <a:endParaRPr lang="es-ES"/>
           </a:p>
@@ -597,7 +601,7 @@
           <a:p>
             <a:fld id="{FC258D99-116B-43CA-B39C-69B46296A373}" type="slidenum">
               <a:rPr lang="es-ES" smtClean="0"/>
-              <a:t>19</a:t>
+              <a:t>21</a:t>
             </a:fld>
             <a:endParaRPr lang="es-ES"/>
           </a:p>
@@ -712,7 +716,7 @@
           <a:p>
             <a:fld id="{FC258D99-116B-43CA-B39C-69B46296A373}" type="slidenum">
               <a:rPr lang="es-ES" smtClean="0"/>
-              <a:t>20</a:t>
+              <a:t>22</a:t>
             </a:fld>
             <a:endParaRPr lang="es-ES"/>
           </a:p>
@@ -827,7 +831,7 @@
           <a:p>
             <a:fld id="{FC258D99-116B-43CA-B39C-69B46296A373}" type="slidenum">
               <a:rPr lang="es-ES" smtClean="0"/>
-              <a:t>22</a:t>
+              <a:t>24</a:t>
             </a:fld>
             <a:endParaRPr lang="es-ES"/>
           </a:p>
@@ -942,7 +946,7 @@
           <a:p>
             <a:fld id="{FC258D99-116B-43CA-B39C-69B46296A373}" type="slidenum">
               <a:rPr lang="es-ES" smtClean="0"/>
-              <a:t>24</a:t>
+              <a:t>26</a:t>
             </a:fld>
             <a:endParaRPr lang="es-ES"/>
           </a:p>
@@ -1057,7 +1061,7 @@
           <a:p>
             <a:fld id="{FC258D99-116B-43CA-B39C-69B46296A373}" type="slidenum">
               <a:rPr lang="es-ES" smtClean="0"/>
-              <a:t>26</a:t>
+              <a:t>28</a:t>
             </a:fld>
             <a:endParaRPr lang="es-ES"/>
           </a:p>
@@ -1227,7 +1231,7 @@
           <a:p>
             <a:fld id="{8C28A28C-4C6A-46EA-90C0-4EE0B89CC5C7}" type="datetimeFigureOut">
               <a:rPr lang="en-US" smtClean="0"/>
-              <a:t>12/6/2025</a:t>
+              <a:t>12/10/2025</a:t>
             </a:fld>
             <a:endParaRPr lang="en-US" dirty="0"/>
           </a:p>
@@ -1441,7 +1445,7 @@
           <a:p>
             <a:fld id="{8C28A28C-4C6A-46EA-90C0-4EE0B89CC5C7}" type="datetimeFigureOut">
               <a:rPr lang="en-US" smtClean="0"/>
-              <a:t>12/6/2025</a:t>
+              <a:t>12/10/2025</a:t>
             </a:fld>
             <a:endParaRPr lang="en-US"/>
           </a:p>
@@ -1649,7 +1653,7 @@
           <a:p>
             <a:fld id="{8C28A28C-4C6A-46EA-90C0-4EE0B89CC5C7}" type="datetimeFigureOut">
               <a:rPr lang="en-US" smtClean="0"/>
-              <a:t>12/6/2025</a:t>
+              <a:t>12/10/2025</a:t>
             </a:fld>
             <a:endParaRPr lang="en-US"/>
           </a:p>
@@ -1847,7 +1851,7 @@
           <a:p>
             <a:fld id="{8C28A28C-4C6A-46EA-90C0-4EE0B89CC5C7}" type="datetimeFigureOut">
               <a:rPr lang="en-US" smtClean="0"/>
-              <a:t>12/6/2025</a:t>
+              <a:t>12/10/2025</a:t>
             </a:fld>
             <a:endParaRPr lang="en-US"/>
           </a:p>
@@ -2124,7 +2128,7 @@
           <a:p>
             <a:fld id="{8C28A28C-4C6A-46EA-90C0-4EE0B89CC5C7}" type="datetimeFigureOut">
               <a:rPr lang="en-US" smtClean="0"/>
-              <a:t>12/6/2025</a:t>
+              <a:t>12/10/2025</a:t>
             </a:fld>
             <a:endParaRPr lang="en-US"/>
           </a:p>
@@ -2389,7 +2393,7 @@
           <a:p>
             <a:fld id="{8C28A28C-4C6A-46EA-90C0-4EE0B89CC5C7}" type="datetimeFigureOut">
               <a:rPr lang="en-US" smtClean="0"/>
-              <a:t>12/6/2025</a:t>
+              <a:t>12/10/2025</a:t>
             </a:fld>
             <a:endParaRPr lang="en-US"/>
           </a:p>
@@ -2801,7 +2805,7 @@
           <a:p>
             <a:fld id="{8C28A28C-4C6A-46EA-90C0-4EE0B89CC5C7}" type="datetimeFigureOut">
               <a:rPr lang="en-US" smtClean="0"/>
-              <a:t>12/6/2025</a:t>
+              <a:t>12/10/2025</a:t>
             </a:fld>
             <a:endParaRPr lang="en-US"/>
           </a:p>
@@ -2942,7 +2946,7 @@
           <a:p>
             <a:fld id="{8C28A28C-4C6A-46EA-90C0-4EE0B89CC5C7}" type="datetimeFigureOut">
               <a:rPr lang="en-US" smtClean="0"/>
-              <a:t>12/6/2025</a:t>
+              <a:t>12/10/2025</a:t>
             </a:fld>
             <a:endParaRPr lang="en-US"/>
           </a:p>
@@ -3055,7 +3059,7 @@
           <a:p>
             <a:fld id="{8C28A28C-4C6A-46EA-90C0-4EE0B89CC5C7}" type="datetimeFigureOut">
               <a:rPr lang="en-US" smtClean="0"/>
-              <a:t>12/6/2025</a:t>
+              <a:t>12/10/2025</a:t>
             </a:fld>
             <a:endParaRPr lang="en-US"/>
           </a:p>
@@ -3368,7 +3372,7 @@
           <a:p>
             <a:fld id="{8C28A28C-4C6A-46EA-90C0-4EE0B89CC5C7}" type="datetimeFigureOut">
               <a:rPr lang="en-US" smtClean="0"/>
-              <a:t>12/6/2025</a:t>
+              <a:t>12/10/2025</a:t>
             </a:fld>
             <a:endParaRPr lang="en-US"/>
           </a:p>
@@ -3656,7 +3660,7 @@
           <a:p>
             <a:fld id="{8C28A28C-4C6A-46EA-90C0-4EE0B89CC5C7}" type="datetimeFigureOut">
               <a:rPr lang="en-US" smtClean="0"/>
-              <a:t>12/6/2025</a:t>
+              <a:t>12/10/2025</a:t>
             </a:fld>
             <a:endParaRPr lang="en-US"/>
           </a:p>
@@ -4014,7 +4018,7 @@
             <a:fld id="{8C28A28C-4C6A-46EA-90C0-4EE0B89CC5C7}" type="datetimeFigureOut">
               <a:rPr lang="en-US" smtClean="0"/>
               <a:pPr/>
-              <a:t>12/6/2025</a:t>
+              <a:t>12/10/2025</a:t>
             </a:fld>
             <a:endParaRPr lang="en-US" dirty="0"/>
           </a:p>
@@ -5088,6 +5092,821 @@
         <p:cNvPr id="1" name="">
           <a:extLst>
             <a:ext uri="{FF2B5EF4-FFF2-40B4-BE49-F238E27FC236}">
+              <a16:creationId xmlns:a16="http://schemas.microsoft.com/office/drawing/2014/main" id="{59F78C39-31A8-A93B-BA90-89F56BCF0688}"/>
+            </a:ext>
+          </a:extLst>
+        </p:cNvPr>
+        <p:cNvGrpSpPr/>
+        <p:nvPr/>
+      </p:nvGrpSpPr>
+      <p:grpSpPr>
+        <a:xfrm>
+          <a:off x="0" y="0"/>
+          <a:ext cx="0" cy="0"/>
+          <a:chOff x="0" y="0"/>
+          <a:chExt cx="0" cy="0"/>
+        </a:xfrm>
+      </p:grpSpPr>
+      <p:sp>
+        <p:nvSpPr>
+          <p:cNvPr id="2" name="Título 1">
+            <a:extLst>
+              <a:ext uri="{FF2B5EF4-FFF2-40B4-BE49-F238E27FC236}">
+                <a16:creationId xmlns:a16="http://schemas.microsoft.com/office/drawing/2014/main" id="{2F26EE5A-1031-A78F-1273-EA986990DD45}"/>
+              </a:ext>
+            </a:extLst>
+          </p:cNvPr>
+          <p:cNvSpPr>
+            <a:spLocks noGrp="1"/>
+          </p:cNvSpPr>
+          <p:nvPr>
+            <p:ph type="title"/>
+          </p:nvPr>
+        </p:nvSpPr>
+        <p:spPr>
+          <a:xfrm>
+            <a:off x="1077361" y="410718"/>
+            <a:ext cx="9950103" cy="710160"/>
+          </a:xfrm>
+        </p:spPr>
+        <p:txBody>
+          <a:bodyPr anchor="t"/>
+          <a:lstStyle/>
+          <a:p>
+            <a:r>
+              <a:rPr lang="es-ES" dirty="0" err="1"/>
+              <a:t>Constant</a:t>
+            </a:r>
+            <a:r>
+              <a:rPr lang="es-ES" dirty="0"/>
+              <a:t> </a:t>
+            </a:r>
+            <a:r>
+              <a:rPr lang="es-ES" dirty="0" err="1"/>
+              <a:t>Product</a:t>
+            </a:r>
+            <a:r>
+              <a:rPr lang="es-ES" dirty="0"/>
+              <a:t> </a:t>
+            </a:r>
+            <a:r>
+              <a:rPr lang="es-ES" dirty="0" err="1"/>
+              <a:t>Market</a:t>
+            </a:r>
+            <a:r>
+              <a:rPr lang="es-ES" dirty="0"/>
+              <a:t> </a:t>
+            </a:r>
+            <a:r>
+              <a:rPr lang="es-ES" dirty="0" err="1"/>
+              <a:t>Maker</a:t>
+            </a:r>
+            <a:r>
+              <a:rPr lang="es-ES" dirty="0"/>
+              <a:t> </a:t>
+            </a:r>
+            <a:r>
+              <a:rPr lang="es-ES" dirty="0" err="1"/>
+              <a:t>Model</a:t>
+            </a:r>
+            <a:endParaRPr lang="es-ES" dirty="0"/>
+          </a:p>
+        </p:txBody>
+      </p:sp>
+      <mc:AlternateContent xmlns:mc="http://schemas.openxmlformats.org/markup-compatibility/2006">
+        <mc:Choice xmlns:a14="http://schemas.microsoft.com/office/drawing/2010/main" Requires="a14">
+          <p:sp>
+            <p:nvSpPr>
+              <p:cNvPr id="3" name="Marcador de contenido 2">
+                <a:extLst>
+                  <a:ext uri="{FF2B5EF4-FFF2-40B4-BE49-F238E27FC236}">
+                    <a16:creationId xmlns:a16="http://schemas.microsoft.com/office/drawing/2014/main" id="{FEFD6B6C-CE1E-5713-1BC0-6C49457A2DD5}"/>
+                  </a:ext>
+                </a:extLst>
+              </p:cNvPr>
+              <p:cNvSpPr>
+                <a:spLocks noGrp="1"/>
+              </p:cNvSpPr>
+              <p:nvPr>
+                <p:ph idx="1"/>
+              </p:nvPr>
+            </p:nvSpPr>
+            <p:spPr>
+              <a:xfrm>
+                <a:off x="1077361" y="1196857"/>
+                <a:ext cx="9950103" cy="5250425"/>
+              </a:xfrm>
+            </p:spPr>
+            <p:txBody>
+              <a:bodyPr>
+                <a:normAutofit fontScale="92500" lnSpcReduction="10000"/>
+              </a:bodyPr>
+              <a:lstStyle/>
+              <a:p>
+                <a:r>
+                  <a:rPr lang="es-ES" sz="2600" b="1" dirty="0"/>
+                  <a:t>Implementación del modelo</a:t>
+                </a:r>
+              </a:p>
+              <a:p>
+                <a:pPr marL="0" indent="0">
+                  <a:buNone/>
+                </a:pPr>
+                <a:r>
+                  <a:rPr lang="es-ES" sz="2600" noProof="0" dirty="0"/>
+                  <a:t>El </a:t>
+                </a:r>
+                <a:r>
+                  <a:rPr lang="es-ES" sz="2600" noProof="0" dirty="0" err="1"/>
+                  <a:t>Market</a:t>
+                </a:r>
+                <a:r>
+                  <a:rPr lang="es-ES" sz="2600" noProof="0" dirty="0"/>
+                  <a:t> </a:t>
+                </a:r>
+                <a:r>
+                  <a:rPr lang="es-ES" sz="2600" noProof="0" dirty="0" err="1"/>
+                  <a:t>Maker</a:t>
+                </a:r>
+                <a:r>
+                  <a:rPr lang="es-ES" sz="2600" noProof="0" dirty="0"/>
+                  <a:t> </a:t>
+                </a:r>
+                <a:r>
+                  <a:rPr lang="es-ES" sz="2600" noProof="0" dirty="0" err="1"/>
+                  <a:t>Model</a:t>
+                </a:r>
+                <a:r>
+                  <a:rPr lang="es-ES" sz="2600" noProof="0" dirty="0"/>
+                  <a:t> es un </a:t>
+                </a:r>
+                <a:r>
+                  <a:rPr lang="es-ES" sz="2600" b="1" noProof="0" dirty="0"/>
+                  <a:t>sistema de transición de estados</a:t>
+                </a:r>
+                <a:r>
+                  <a:rPr lang="es-ES" sz="2600" noProof="0" dirty="0"/>
+                  <a:t>, en donde tenemos una tupla </a:t>
+                </a:r>
+                <a14:m>
+                  <m:oMath xmlns:m="http://schemas.openxmlformats.org/officeDocument/2006/math">
+                    <m:d>
+                      <m:dPr>
+                        <m:ctrlPr>
+                          <a:rPr lang="es-ES" sz="2600" b="1" i="1" noProof="0" smtClean="0">
+                            <a:latin typeface="Cambria Math" panose="02040503050406030204" pitchFamily="18" charset="0"/>
+                          </a:rPr>
+                        </m:ctrlPr>
+                      </m:dPr>
+                      <m:e>
+                        <m:r>
+                          <a:rPr lang="es-ES" sz="2600" b="1" i="1" noProof="0" smtClean="0">
+                            <a:latin typeface="Cambria Math" panose="02040503050406030204" pitchFamily="18" charset="0"/>
+                          </a:rPr>
+                          <m:t>𝒆</m:t>
+                        </m:r>
+                        <m:r>
+                          <a:rPr lang="es-ES" sz="2600" b="1" i="1" noProof="0" smtClean="0">
+                            <a:latin typeface="Cambria Math" panose="02040503050406030204" pitchFamily="18" charset="0"/>
+                          </a:rPr>
+                          <m:t>, </m:t>
+                        </m:r>
+                        <m:r>
+                          <a:rPr lang="es-ES" sz="2600" b="1" i="1" noProof="0" smtClean="0">
+                            <a:latin typeface="Cambria Math" panose="02040503050406030204" pitchFamily="18" charset="0"/>
+                          </a:rPr>
+                          <m:t>𝒕</m:t>
+                        </m:r>
+                        <m:r>
+                          <a:rPr lang="es-ES" sz="2600" b="1" i="1" noProof="0" smtClean="0">
+                            <a:latin typeface="Cambria Math" panose="02040503050406030204" pitchFamily="18" charset="0"/>
+                          </a:rPr>
+                          <m:t>, </m:t>
+                        </m:r>
+                        <m:r>
+                          <a:rPr lang="es-ES" sz="2600" b="1" i="1" noProof="0" smtClean="0">
+                            <a:latin typeface="Cambria Math" panose="02040503050406030204" pitchFamily="18" charset="0"/>
+                          </a:rPr>
+                          <m:t>𝒍</m:t>
+                        </m:r>
+                      </m:e>
+                    </m:d>
+                  </m:oMath>
+                </a14:m>
+                <a:r>
+                  <a:rPr lang="es-ES" sz="2600" noProof="0" dirty="0"/>
+                  <a:t> con la que vamos a representar:</a:t>
+                </a:r>
+                <a:endParaRPr lang="es-ES" sz="2600" dirty="0"/>
+              </a:p>
+              <a:p>
+                <a14:m>
+                  <m:oMath xmlns:m="http://schemas.openxmlformats.org/officeDocument/2006/math">
+                    <m:r>
+                      <a:rPr lang="es-ES" sz="2600" b="1" i="1">
+                        <a:latin typeface="Cambria Math" panose="02040503050406030204" pitchFamily="18" charset="0"/>
+                      </a:rPr>
+                      <m:t>𝒆</m:t>
+                    </m:r>
+                  </m:oMath>
+                </a14:m>
+                <a:r>
+                  <a:rPr lang="en-US" sz="2600" b="1" dirty="0"/>
+                  <a:t> = </a:t>
+                </a:r>
+                <a:r>
+                  <a:rPr lang="en-US" sz="2600" dirty="0"/>
+                  <a:t>la </a:t>
+                </a:r>
+                <a:r>
+                  <a:rPr lang="en-US" sz="2600" dirty="0" err="1"/>
+                  <a:t>cantidad</a:t>
+                </a:r>
+                <a:r>
+                  <a:rPr lang="en-US" sz="2600" dirty="0"/>
+                  <a:t> de </a:t>
+                </a:r>
+                <a:r>
+                  <a:rPr lang="en-US" sz="2600" b="1" dirty="0"/>
+                  <a:t>ETH</a:t>
+                </a:r>
+                <a:r>
+                  <a:rPr lang="en-US" sz="2600" dirty="0"/>
+                  <a:t> </a:t>
+                </a:r>
+                <a:r>
+                  <a:rPr lang="en-US" sz="2600" dirty="0" err="1"/>
+                  <a:t>en</a:t>
+                </a:r>
+                <a:r>
+                  <a:rPr lang="en-US" sz="2600" dirty="0"/>
+                  <a:t> </a:t>
+                </a:r>
+                <a:r>
+                  <a:rPr lang="en-US" sz="2600" dirty="0" err="1"/>
+                  <a:t>el</a:t>
+                </a:r>
+                <a:r>
+                  <a:rPr lang="en-US" sz="2600" dirty="0"/>
+                  <a:t> </a:t>
+                </a:r>
+                <a:r>
+                  <a:rPr lang="en-US" sz="2600" dirty="0" err="1"/>
+                  <a:t>contrato</a:t>
+                </a:r>
+                <a:endParaRPr lang="en-US" sz="2600" b="1" dirty="0"/>
+              </a:p>
+              <a:p>
+                <a14:m>
+                  <m:oMath xmlns:m="http://schemas.openxmlformats.org/officeDocument/2006/math">
+                    <m:r>
+                      <a:rPr lang="es-ES" sz="2600" b="1" i="1" smtClean="0">
+                        <a:latin typeface="Cambria Math" panose="02040503050406030204" pitchFamily="18" charset="0"/>
+                      </a:rPr>
+                      <m:t>𝒕</m:t>
+                    </m:r>
+                  </m:oMath>
+                </a14:m>
+                <a:r>
+                  <a:rPr lang="en-US" sz="2600" b="1" dirty="0"/>
+                  <a:t> =</a:t>
+                </a:r>
+                <a:r>
+                  <a:rPr lang="en-US" sz="2600" dirty="0"/>
+                  <a:t> la </a:t>
+                </a:r>
+                <a:r>
+                  <a:rPr lang="en-US" sz="2600" dirty="0" err="1"/>
+                  <a:t>cantidad</a:t>
+                </a:r>
+                <a:r>
+                  <a:rPr lang="en-US" sz="2600" dirty="0"/>
+                  <a:t> </a:t>
+                </a:r>
+                <a:r>
+                  <a:rPr lang="es-ES" sz="2600" dirty="0"/>
+                  <a:t>de </a:t>
+                </a:r>
+                <a:r>
+                  <a:rPr lang="es-ES" sz="2600" b="1" dirty="0"/>
+                  <a:t>exchange tokens</a:t>
+                </a:r>
+              </a:p>
+              <a:p>
+                <a14:m>
+                  <m:oMath xmlns:m="http://schemas.openxmlformats.org/officeDocument/2006/math">
+                    <m:r>
+                      <a:rPr lang="es-ES" sz="2600" b="1" i="1" smtClean="0">
+                        <a:latin typeface="Cambria Math" panose="02040503050406030204" pitchFamily="18" charset="0"/>
+                      </a:rPr>
+                      <m:t>𝒍</m:t>
+                    </m:r>
+                  </m:oMath>
+                </a14:m>
+                <a:r>
+                  <a:rPr lang="en-US" sz="2600" dirty="0"/>
+                  <a:t> </a:t>
+                </a:r>
+                <a:r>
+                  <a:rPr lang="en-US" sz="2600" b="1" dirty="0"/>
+                  <a:t>=</a:t>
+                </a:r>
+                <a:r>
+                  <a:rPr lang="en-US" sz="2600" dirty="0"/>
+                  <a:t> la </a:t>
+                </a:r>
+                <a:r>
+                  <a:rPr lang="en-US" sz="2600" dirty="0" err="1"/>
+                  <a:t>liquidez</a:t>
+                </a:r>
+                <a:r>
+                  <a:rPr lang="en-US" sz="2600" dirty="0"/>
+                  <a:t> total</a:t>
+                </a:r>
+                <a:endParaRPr lang="es-ES" sz="2600" dirty="0"/>
+              </a:p>
+              <a:p>
+                <a:pPr marL="0" indent="0">
+                  <a:buNone/>
+                </a:pPr>
+                <a:r>
+                  <a:rPr lang="es-ES" sz="2600" dirty="0"/>
+                  <a:t>Cada acción de </a:t>
+                </a:r>
+                <a:r>
+                  <a:rPr lang="es-ES" sz="2600" b="1" dirty="0"/>
+                  <a:t>swap</a:t>
+                </a:r>
+                <a:r>
+                  <a:rPr lang="es-ES" sz="2600" dirty="0"/>
+                  <a:t> de tokens, aumento y decremento de liquidez van a actualizar el estado del contrato. Esta implementación está basada en </a:t>
+                </a:r>
+                <a:r>
+                  <a:rPr lang="es-ES" sz="2600" b="1" dirty="0" err="1"/>
+                  <a:t>Uniswap</a:t>
+                </a:r>
+                <a:r>
+                  <a:rPr lang="es-ES" sz="2600" b="1" dirty="0"/>
+                  <a:t> V1</a:t>
+                </a:r>
+                <a:r>
+                  <a:rPr lang="es-ES" sz="2600" dirty="0"/>
+                  <a:t> (explicado más adelante), para el swap tendremos ETH y el exchange token será creado con el estándar de implementación de </a:t>
+                </a:r>
+                <a:r>
+                  <a:rPr lang="es-ES" sz="2600" b="1" dirty="0"/>
+                  <a:t>Open Zeppelin</a:t>
+                </a:r>
+                <a:r>
+                  <a:rPr lang="en-US" sz="2600" b="1" dirty="0"/>
+                  <a:t>.</a:t>
+                </a:r>
+                <a:endParaRPr lang="es-ES" sz="2600" noProof="0" dirty="0"/>
+              </a:p>
+              <a:p>
+                <a:pPr marL="0" indent="0">
+                  <a:buNone/>
+                </a:pPr>
+                <a:endParaRPr lang="es-ES" sz="2600" b="1" noProof="0" dirty="0"/>
+              </a:p>
+            </p:txBody>
+          </p:sp>
+        </mc:Choice>
+        <mc:Fallback>
+          <p:sp>
+            <p:nvSpPr>
+              <p:cNvPr id="3" name="Marcador de contenido 2">
+                <a:extLst>
+                  <a:ext uri="{FF2B5EF4-FFF2-40B4-BE49-F238E27FC236}">
+                    <a16:creationId xmlns:a16="http://schemas.microsoft.com/office/drawing/2014/main" id="{FEFD6B6C-CE1E-5713-1BC0-6C49457A2DD5}"/>
+                  </a:ext>
+                </a:extLst>
+              </p:cNvPr>
+              <p:cNvSpPr>
+                <a:spLocks noGrp="1" noRot="1" noChangeAspect="1" noMove="1" noResize="1" noEditPoints="1" noAdjustHandles="1" noChangeArrowheads="1" noChangeShapeType="1" noTextEdit="1"/>
+              </p:cNvSpPr>
+              <p:nvPr>
+                <p:ph idx="1"/>
+              </p:nvPr>
+            </p:nvSpPr>
+            <p:spPr>
+              <a:xfrm>
+                <a:off x="1077361" y="1196857"/>
+                <a:ext cx="9950103" cy="5250425"/>
+              </a:xfrm>
+              <a:blipFill>
+                <a:blip r:embed="rId2"/>
+                <a:stretch>
+                  <a:fillRect l="-980" t="-696" b="-232"/>
+                </a:stretch>
+              </a:blipFill>
+            </p:spPr>
+            <p:txBody>
+              <a:bodyPr/>
+              <a:lstStyle/>
+              <a:p>
+                <a:r>
+                  <a:rPr lang="es-ES">
+                    <a:noFill/>
+                  </a:rPr>
+                  <a:t> </a:t>
+                </a:r>
+              </a:p>
+            </p:txBody>
+          </p:sp>
+        </mc:Fallback>
+      </mc:AlternateContent>
+    </p:spTree>
+    <p:extLst>
+      <p:ext uri="{BB962C8B-B14F-4D97-AF65-F5344CB8AC3E}">
+        <p14:creationId xmlns:p14="http://schemas.microsoft.com/office/powerpoint/2010/main" val="1472867187"/>
+      </p:ext>
+    </p:extLst>
+  </p:cSld>
+  <p:clrMapOvr>
+    <a:masterClrMapping/>
+  </p:clrMapOvr>
+</p:sld>
+</file>
+
+<file path=ppt/slides/slide11.xml><?xml version="1.0" encoding="utf-8"?>
+<p:sld xmlns:a="http://schemas.openxmlformats.org/drawingml/2006/main" xmlns:r="http://schemas.openxmlformats.org/officeDocument/2006/relationships" xmlns:p="http://schemas.openxmlformats.org/presentationml/2006/main">
+  <p:cSld>
+    <p:spTree>
+      <p:nvGrpSpPr>
+        <p:cNvPr id="1" name="">
+          <a:extLst>
+            <a:ext uri="{FF2B5EF4-FFF2-40B4-BE49-F238E27FC236}">
+              <a16:creationId xmlns:a16="http://schemas.microsoft.com/office/drawing/2014/main" id="{9353F92B-FA35-0FB9-8161-9782CA09E4D3}"/>
+            </a:ext>
+          </a:extLst>
+        </p:cNvPr>
+        <p:cNvGrpSpPr/>
+        <p:nvPr/>
+      </p:nvGrpSpPr>
+      <p:grpSpPr>
+        <a:xfrm>
+          <a:off x="0" y="0"/>
+          <a:ext cx="0" cy="0"/>
+          <a:chOff x="0" y="0"/>
+          <a:chExt cx="0" cy="0"/>
+        </a:xfrm>
+      </p:grpSpPr>
+      <p:sp>
+        <p:nvSpPr>
+          <p:cNvPr id="2" name="Título 1">
+            <a:extLst>
+              <a:ext uri="{FF2B5EF4-FFF2-40B4-BE49-F238E27FC236}">
+                <a16:creationId xmlns:a16="http://schemas.microsoft.com/office/drawing/2014/main" id="{0E5C77C0-32C0-4551-5537-8F8550D9280D}"/>
+              </a:ext>
+            </a:extLst>
+          </p:cNvPr>
+          <p:cNvSpPr>
+            <a:spLocks noGrp="1"/>
+          </p:cNvSpPr>
+          <p:nvPr>
+            <p:ph type="title"/>
+          </p:nvPr>
+        </p:nvSpPr>
+        <p:spPr>
+          <a:xfrm>
+            <a:off x="1077361" y="410718"/>
+            <a:ext cx="9950103" cy="710160"/>
+          </a:xfrm>
+        </p:spPr>
+        <p:txBody>
+          <a:bodyPr anchor="t"/>
+          <a:lstStyle/>
+          <a:p>
+            <a:r>
+              <a:rPr lang="es-ES" dirty="0" err="1"/>
+              <a:t>Constant</a:t>
+            </a:r>
+            <a:r>
+              <a:rPr lang="es-ES" dirty="0"/>
+              <a:t> </a:t>
+            </a:r>
+            <a:r>
+              <a:rPr lang="es-ES" dirty="0" err="1"/>
+              <a:t>Product</a:t>
+            </a:r>
+            <a:r>
+              <a:rPr lang="es-ES" dirty="0"/>
+              <a:t> </a:t>
+            </a:r>
+            <a:r>
+              <a:rPr lang="es-ES" dirty="0" err="1"/>
+              <a:t>Market</a:t>
+            </a:r>
+            <a:r>
+              <a:rPr lang="es-ES" dirty="0"/>
+              <a:t> </a:t>
+            </a:r>
+            <a:r>
+              <a:rPr lang="es-ES" dirty="0" err="1"/>
+              <a:t>Maker</a:t>
+            </a:r>
+            <a:r>
+              <a:rPr lang="es-ES" dirty="0"/>
+              <a:t> </a:t>
+            </a:r>
+            <a:r>
+              <a:rPr lang="es-ES" dirty="0" err="1"/>
+              <a:t>Model</a:t>
+            </a:r>
+            <a:endParaRPr lang="es-ES" dirty="0"/>
+          </a:p>
+        </p:txBody>
+      </p:sp>
+      <mc:AlternateContent xmlns:mc="http://schemas.openxmlformats.org/markup-compatibility/2006">
+        <mc:Choice xmlns:a14="http://schemas.microsoft.com/office/drawing/2010/main" Requires="a14">
+          <p:sp>
+            <p:nvSpPr>
+              <p:cNvPr id="3" name="Marcador de contenido 2">
+                <a:extLst>
+                  <a:ext uri="{FF2B5EF4-FFF2-40B4-BE49-F238E27FC236}">
+                    <a16:creationId xmlns:a16="http://schemas.microsoft.com/office/drawing/2014/main" id="{BA190E33-83A4-FCD6-46EA-129EC0246793}"/>
+                  </a:ext>
+                </a:extLst>
+              </p:cNvPr>
+              <p:cNvSpPr>
+                <a:spLocks noGrp="1"/>
+              </p:cNvSpPr>
+              <p:nvPr>
+                <p:ph idx="1"/>
+              </p:nvPr>
+            </p:nvSpPr>
+            <p:spPr>
+              <a:xfrm>
+                <a:off x="1077361" y="1196857"/>
+                <a:ext cx="9950103" cy="5250425"/>
+              </a:xfrm>
+            </p:spPr>
+            <p:txBody>
+              <a:bodyPr>
+                <a:normAutofit/>
+              </a:bodyPr>
+              <a:lstStyle/>
+              <a:p>
+                <a:r>
+                  <a:rPr lang="es-ES" sz="2600" b="1" dirty="0"/>
+                  <a:t>Implementación del modelo</a:t>
+                </a:r>
+              </a:p>
+              <a:p>
+                <a:pPr marL="0" indent="0">
+                  <a:buNone/>
+                </a:pPr>
+                <a:r>
+                  <a:rPr lang="es-ES" sz="2600" noProof="0" dirty="0"/>
+                  <a:t>Para intercambiar una cantidad </a:t>
+                </a:r>
+                <a14:m>
+                  <m:oMath xmlns:m="http://schemas.openxmlformats.org/officeDocument/2006/math">
+                    <m:r>
+                      <a:rPr lang="el-GR" sz="2600" b="1" i="1">
+                        <a:latin typeface="Cambria Math" panose="02040503050406030204" pitchFamily="18" charset="0"/>
+                      </a:rPr>
+                      <m:t>𝜟</m:t>
+                    </m:r>
+                    <m:r>
+                      <a:rPr lang="en-US" sz="2600" b="1" i="1">
+                        <a:latin typeface="Cambria Math" panose="02040503050406030204" pitchFamily="18" charset="0"/>
+                      </a:rPr>
+                      <m:t>𝒙</m:t>
+                    </m:r>
+                  </m:oMath>
+                </a14:m>
+                <a:r>
+                  <a:rPr lang="es-ES" sz="2600" b="1" noProof="0" dirty="0"/>
+                  <a:t> </a:t>
+                </a:r>
+                <a:r>
+                  <a:rPr lang="es-ES" sz="2600" noProof="0" dirty="0"/>
+                  <a:t>de tokens </a:t>
+                </a:r>
+                <a14:m>
+                  <m:oMath xmlns:m="http://schemas.openxmlformats.org/officeDocument/2006/math">
+                    <m:r>
+                      <a:rPr lang="en-US" sz="2600" b="1" i="1" smtClean="0">
+                        <a:latin typeface="Cambria Math" panose="02040503050406030204" pitchFamily="18" charset="0"/>
+                      </a:rPr>
+                      <m:t>𝑿</m:t>
+                    </m:r>
+                  </m:oMath>
+                </a14:m>
+                <a:r>
+                  <a:rPr lang="es-ES" sz="2600" dirty="0"/>
+                  <a:t>, el cliente va a enviárselos al contrato, quien calculará la cantidad </a:t>
+                </a:r>
+                <a14:m>
+                  <m:oMath xmlns:m="http://schemas.openxmlformats.org/officeDocument/2006/math">
+                    <m:r>
+                      <m:rPr>
+                        <m:sty m:val="p"/>
+                      </m:rPr>
+                      <a:rPr lang="el-GR" sz="2600" b="1" i="1">
+                        <a:latin typeface="Cambria Math" panose="02040503050406030204" pitchFamily="18" charset="0"/>
+                      </a:rPr>
+                      <m:t>Δ</m:t>
+                    </m:r>
+                    <m:r>
+                      <a:rPr lang="es-ES" sz="2600" b="1" i="1" smtClean="0">
+                        <a:latin typeface="Cambria Math" panose="02040503050406030204" pitchFamily="18" charset="0"/>
+                      </a:rPr>
+                      <m:t>𝒚</m:t>
+                    </m:r>
+                  </m:oMath>
+                </a14:m>
+                <a:r>
+                  <a:rPr lang="es-ES" sz="2600" dirty="0"/>
+                  <a:t> de tokens </a:t>
+                </a:r>
+                <a14:m>
+                  <m:oMath xmlns:m="http://schemas.openxmlformats.org/officeDocument/2006/math">
+                    <m:r>
+                      <a:rPr lang="es-ES" sz="2600" b="1" i="1" smtClean="0">
+                        <a:latin typeface="Cambria Math" panose="02040503050406030204" pitchFamily="18" charset="0"/>
+                      </a:rPr>
+                      <m:t>𝒀</m:t>
+                    </m:r>
+                  </m:oMath>
+                </a14:m>
+                <a:r>
+                  <a:rPr lang="es-ES" sz="2600" noProof="0" dirty="0"/>
+                  <a:t> que puede obtener según el precio actual de los tokens dado por el balance/ratio en la </a:t>
+                </a:r>
+                <a:r>
+                  <a:rPr lang="es-ES" sz="2600" b="1" noProof="0" dirty="0" err="1"/>
+                  <a:t>liquidity</a:t>
+                </a:r>
+                <a:r>
+                  <a:rPr lang="es-ES" sz="2600" b="1" noProof="0" dirty="0"/>
+                  <a:t> pool</a:t>
+                </a:r>
+                <a:r>
+                  <a:rPr lang="es-ES" sz="2600" noProof="0" dirty="0"/>
+                  <a:t>.</a:t>
+                </a:r>
+              </a:p>
+              <a:p>
+                <a:pPr marL="0" indent="0">
+                  <a:buNone/>
+                </a:pPr>
+                <a:r>
+                  <a:rPr lang="es-ES" sz="2600" noProof="0" dirty="0"/>
+                  <a:t>Si tomamos en cuenta una implementación con </a:t>
+                </a:r>
+                <a:r>
+                  <a:rPr lang="es-ES" sz="2600" b="1" noProof="0" dirty="0"/>
+                  <a:t>fees</a:t>
+                </a:r>
+                <a:r>
+                  <a:rPr lang="es-ES" sz="2600" dirty="0"/>
+                  <a:t>, entonces deberemos utilizar una </a:t>
+                </a:r>
+                <a:r>
+                  <a:rPr lang="es-ES" sz="2600" b="1" dirty="0"/>
+                  <a:t>cantidad efectiva </a:t>
+                </a:r>
+                <a14:m>
+                  <m:oMath xmlns:m="http://schemas.openxmlformats.org/officeDocument/2006/math">
+                    <m:f>
+                      <m:fPr>
+                        <m:ctrlPr>
+                          <a:rPr lang="es-ES" sz="2600" b="1" i="1" smtClean="0">
+                            <a:latin typeface="Cambria Math" panose="02040503050406030204" pitchFamily="18" charset="0"/>
+                          </a:rPr>
+                        </m:ctrlPr>
+                      </m:fPr>
+                      <m:num>
+                        <m:r>
+                          <a:rPr lang="el-GR" sz="2600" b="1" i="1">
+                            <a:latin typeface="Cambria Math" panose="02040503050406030204" pitchFamily="18" charset="0"/>
+                          </a:rPr>
+                          <m:t>𝜟</m:t>
+                        </m:r>
+                        <m:r>
+                          <a:rPr lang="en-US" sz="2600" b="1" i="1">
+                            <a:latin typeface="Cambria Math" panose="02040503050406030204" pitchFamily="18" charset="0"/>
+                          </a:rPr>
+                          <m:t>𝒙</m:t>
+                        </m:r>
+                      </m:num>
+                      <m:den>
+                        <m:r>
+                          <a:rPr lang="es-ES" sz="2600" b="1" i="1" smtClean="0">
+                            <a:latin typeface="Cambria Math" panose="02040503050406030204" pitchFamily="18" charset="0"/>
+                          </a:rPr>
+                          <m:t>𝒙</m:t>
+                        </m:r>
+                      </m:den>
+                    </m:f>
+                  </m:oMath>
+                </a14:m>
+                <a:r>
+                  <a:rPr lang="es-ES" sz="2600" b="1" dirty="0"/>
+                  <a:t> </a:t>
+                </a:r>
+                <a:r>
+                  <a:rPr lang="es-ES" sz="2600" dirty="0"/>
+                  <a:t>de tokens para calcular a </a:t>
+                </a:r>
+                <a14:m>
+                  <m:oMath xmlns:m="http://schemas.openxmlformats.org/officeDocument/2006/math">
+                    <m:r>
+                      <a:rPr lang="el-GR" sz="2600" b="1" i="1">
+                        <a:latin typeface="Cambria Math" panose="02040503050406030204" pitchFamily="18" charset="0"/>
+                      </a:rPr>
+                      <m:t>𝜟</m:t>
+                    </m:r>
+                    <m:r>
+                      <a:rPr lang="es-ES" sz="2600" b="1" i="1" smtClean="0">
+                        <a:latin typeface="Cambria Math" panose="02040503050406030204" pitchFamily="18" charset="0"/>
+                      </a:rPr>
+                      <m:t>𝒚</m:t>
+                    </m:r>
+                    <m:r>
+                      <a:rPr lang="es-ES" sz="2600" b="0" i="0" smtClean="0">
+                        <a:latin typeface="Cambria Math" panose="02040503050406030204" pitchFamily="18" charset="0"/>
+                      </a:rPr>
+                      <m:t>.</m:t>
+                    </m:r>
+                  </m:oMath>
+                </a14:m>
+                <a:r>
+                  <a:rPr lang="es-ES" sz="2600" b="1" dirty="0"/>
+                  <a:t> </a:t>
+                </a:r>
+              </a:p>
+            </p:txBody>
+          </p:sp>
+        </mc:Choice>
+        <mc:Fallback>
+          <p:sp>
+            <p:nvSpPr>
+              <p:cNvPr id="3" name="Marcador de contenido 2">
+                <a:extLst>
+                  <a:ext uri="{FF2B5EF4-FFF2-40B4-BE49-F238E27FC236}">
+                    <a16:creationId xmlns:a16="http://schemas.microsoft.com/office/drawing/2014/main" id="{BA190E33-83A4-FCD6-46EA-129EC0246793}"/>
+                  </a:ext>
+                </a:extLst>
+              </p:cNvPr>
+              <p:cNvSpPr>
+                <a:spLocks noGrp="1" noRot="1" noChangeAspect="1" noMove="1" noResize="1" noEditPoints="1" noAdjustHandles="1" noChangeArrowheads="1" noChangeShapeType="1" noTextEdit="1"/>
+              </p:cNvSpPr>
+              <p:nvPr>
+                <p:ph idx="1"/>
+              </p:nvPr>
+            </p:nvSpPr>
+            <p:spPr>
+              <a:xfrm>
+                <a:off x="1077361" y="1196857"/>
+                <a:ext cx="9950103" cy="5250425"/>
+              </a:xfrm>
+              <a:blipFill>
+                <a:blip r:embed="rId2"/>
+                <a:stretch>
+                  <a:fillRect l="-1103" t="-348"/>
+                </a:stretch>
+              </a:blipFill>
+            </p:spPr>
+            <p:txBody>
+              <a:bodyPr/>
+              <a:lstStyle/>
+              <a:p>
+                <a:r>
+                  <a:rPr lang="es-ES">
+                    <a:noFill/>
+                  </a:rPr>
+                  <a:t> </a:t>
+                </a:r>
+              </a:p>
+            </p:txBody>
+          </p:sp>
+        </mc:Fallback>
+      </mc:AlternateContent>
+    </p:spTree>
+    <p:extLst>
+      <p:ext uri="{BB962C8B-B14F-4D97-AF65-F5344CB8AC3E}">
+        <p14:creationId xmlns:p14="http://schemas.microsoft.com/office/powerpoint/2010/main" val="3130582529"/>
+      </p:ext>
+    </p:extLst>
+  </p:cSld>
+  <p:clrMapOvr>
+    <a:masterClrMapping/>
+  </p:clrMapOvr>
+</p:sld>
+</file>
+
+<file path=ppt/slides/slide12.xml><?xml version="1.0" encoding="utf-8"?>
+<p:sld xmlns:a="http://schemas.openxmlformats.org/drawingml/2006/main" xmlns:r="http://schemas.openxmlformats.org/officeDocument/2006/relationships" xmlns:p="http://schemas.openxmlformats.org/presentationml/2006/main">
+  <p:cSld>
+    <p:spTree>
+      <p:nvGrpSpPr>
+        <p:cNvPr id="1" name="">
+          <a:extLst>
+            <a:ext uri="{FF2B5EF4-FFF2-40B4-BE49-F238E27FC236}">
               <a16:creationId xmlns:a16="http://schemas.microsoft.com/office/drawing/2014/main" id="{A3019EC9-C11E-A05F-E621-9E0EBD7370CD}"/>
             </a:ext>
           </a:extLst>
@@ -5169,8 +5988,8 @@
           </a:p>
         </p:txBody>
       </p:sp>
-      <mc:AlternateContent xmlns:mc="http://schemas.openxmlformats.org/markup-compatibility/2006">
-        <mc:Choice xmlns:a14="http://schemas.microsoft.com/office/drawing/2010/main" Requires="a14">
+      <mc:AlternateContent xmlns:mc="http://schemas.openxmlformats.org/markup-compatibility/2006" xmlns:a14="http://schemas.microsoft.com/office/drawing/2010/main">
+        <mc:Choice Requires="a14">
           <p:sp>
             <p:nvSpPr>
               <p:cNvPr id="3" name="Marcador de contenido 2">
@@ -5534,7 +6353,7 @@
             </p:txBody>
           </p:sp>
         </mc:Choice>
-        <mc:Fallback>
+        <mc:Fallback xmlns="">
           <p:sp>
             <p:nvSpPr>
               <p:cNvPr id="3" name="Marcador de contenido 2">
@@ -5591,7 +6410,7 @@
 </p:sld>
 </file>
 
-<file path=ppt/slides/slide11.xml><?xml version="1.0" encoding="utf-8"?>
+<file path=ppt/slides/slide13.xml><?xml version="1.0" encoding="utf-8"?>
 <p:sld xmlns:a="http://schemas.openxmlformats.org/drawingml/2006/main" xmlns:r="http://schemas.openxmlformats.org/officeDocument/2006/relationships" xmlns:p="http://schemas.openxmlformats.org/presentationml/2006/main">
   <p:cSld>
     <p:spTree>
@@ -5680,8 +6499,8 @@
           </a:p>
         </p:txBody>
       </p:sp>
-      <mc:AlternateContent xmlns:mc="http://schemas.openxmlformats.org/markup-compatibility/2006">
-        <mc:Choice xmlns:a14="http://schemas.microsoft.com/office/drawing/2010/main" Requires="a14">
+      <mc:AlternateContent xmlns:mc="http://schemas.openxmlformats.org/markup-compatibility/2006" xmlns:a14="http://schemas.microsoft.com/office/drawing/2010/main">
+        <mc:Choice Requires="a14">
           <p:sp>
             <p:nvSpPr>
               <p:cNvPr id="3" name="Marcador de contenido 2">
@@ -6151,7 +6970,7 @@
             </p:txBody>
           </p:sp>
         </mc:Choice>
-        <mc:Fallback>
+        <mc:Fallback xmlns="">
           <p:sp>
             <p:nvSpPr>
               <p:cNvPr id="3" name="Marcador de contenido 2">
@@ -6238,7 +7057,7 @@
 </p:sld>
 </file>
 
-<file path=ppt/slides/slide12.xml><?xml version="1.0" encoding="utf-8"?>
+<file path=ppt/slides/slide14.xml><?xml version="1.0" encoding="utf-8"?>
 <p:sld xmlns:a="http://schemas.openxmlformats.org/drawingml/2006/main" xmlns:r="http://schemas.openxmlformats.org/officeDocument/2006/relationships" xmlns:p="http://schemas.openxmlformats.org/presentationml/2006/main">
   <p:cSld>
     <p:spTree>
@@ -6327,8 +7146,8 @@
           </a:p>
         </p:txBody>
       </p:sp>
-      <mc:AlternateContent xmlns:mc="http://schemas.openxmlformats.org/markup-compatibility/2006">
-        <mc:Choice xmlns:a14="http://schemas.microsoft.com/office/drawing/2010/main" Requires="a14">
+      <mc:AlternateContent xmlns:mc="http://schemas.openxmlformats.org/markup-compatibility/2006" xmlns:a14="http://schemas.microsoft.com/office/drawing/2010/main">
+        <mc:Choice Requires="a14">
           <p:sp>
             <p:nvSpPr>
               <p:cNvPr id="3" name="Marcador de contenido 2">
@@ -6518,7 +7337,7 @@
             </p:txBody>
           </p:sp>
         </mc:Choice>
-        <mc:Fallback>
+        <mc:Fallback xmlns="">
           <p:sp>
             <p:nvSpPr>
               <p:cNvPr id="3" name="Marcador de contenido 2">
@@ -6605,7 +7424,7 @@
 </p:sld>
 </file>
 
-<file path=ppt/slides/slide13.xml><?xml version="1.0" encoding="utf-8"?>
+<file path=ppt/slides/slide15.xml><?xml version="1.0" encoding="utf-8"?>
 <p:sld xmlns:a="http://schemas.openxmlformats.org/drawingml/2006/main" xmlns:r="http://schemas.openxmlformats.org/officeDocument/2006/relationships" xmlns:p="http://schemas.openxmlformats.org/presentationml/2006/main">
   <p:cSld>
     <p:spTree>
@@ -7113,7 +7932,7 @@
 </p:sld>
 </file>
 
-<file path=ppt/slides/slide14.xml><?xml version="1.0" encoding="utf-8"?>
+<file path=ppt/slides/slide16.xml><?xml version="1.0" encoding="utf-8"?>
 <p:sld xmlns:a="http://schemas.openxmlformats.org/drawingml/2006/main" xmlns:r="http://schemas.openxmlformats.org/officeDocument/2006/relationships" xmlns:p="http://schemas.openxmlformats.org/presentationml/2006/main">
   <p:cSld>
     <p:spTree>
@@ -7202,8 +8021,8 @@
           </a:p>
         </p:txBody>
       </p:sp>
-      <mc:AlternateContent xmlns:mc="http://schemas.openxmlformats.org/markup-compatibility/2006">
-        <mc:Choice xmlns:a14="http://schemas.microsoft.com/office/drawing/2010/main" Requires="a14">
+      <mc:AlternateContent xmlns:mc="http://schemas.openxmlformats.org/markup-compatibility/2006" xmlns:a14="http://schemas.microsoft.com/office/drawing/2010/main">
+        <mc:Choice Requires="a14">
           <p:sp>
             <p:nvSpPr>
               <p:cNvPr id="3" name="Marcador de contenido 2">
@@ -7378,7 +8197,7 @@
             </p:txBody>
           </p:sp>
         </mc:Choice>
-        <mc:Fallback>
+        <mc:Fallback xmlns="">
           <p:sp>
             <p:nvSpPr>
               <p:cNvPr id="3" name="Marcador de contenido 2">
@@ -7424,10 +8243,10 @@
       </mc:AlternateContent>
       <p:pic>
         <p:nvPicPr>
-          <p:cNvPr id="5" name="Imagen 4">
+          <p:cNvPr id="6" name="Imagen 5" descr="Texto, Carta&#10;&#10;El contenido generado por IA puede ser incorrecto.">
             <a:extLst>
               <a:ext uri="{FF2B5EF4-FFF2-40B4-BE49-F238E27FC236}">
-                <a16:creationId xmlns:a16="http://schemas.microsoft.com/office/drawing/2014/main" id="{191438AE-8D63-6C0E-22D9-0BD3DEB26AF2}"/>
+                <a16:creationId xmlns:a16="http://schemas.microsoft.com/office/drawing/2014/main" id="{A305047A-2BE1-10C4-BEFB-BBAB538C5BA1}"/>
               </a:ext>
             </a:extLst>
           </p:cNvPr>
@@ -7444,8 +8263,8 @@
         </p:blipFill>
         <p:spPr>
           <a:xfrm>
-            <a:off x="1332064" y="3315445"/>
-            <a:ext cx="9527872" cy="3380323"/>
+            <a:off x="1661669" y="3379617"/>
+            <a:ext cx="8781485" cy="3067665"/>
           </a:xfrm>
           <a:prstGeom prst="rect">
             <a:avLst/>
@@ -7465,7 +8284,7 @@
 </p:sld>
 </file>
 
-<file path=ppt/slides/slide15.xml><?xml version="1.0" encoding="utf-8"?>
+<file path=ppt/slides/slide17.xml><?xml version="1.0" encoding="utf-8"?>
 <p:sld xmlns:a="http://schemas.openxmlformats.org/drawingml/2006/main" xmlns:r="http://schemas.openxmlformats.org/officeDocument/2006/relationships" xmlns:p="http://schemas.openxmlformats.org/presentationml/2006/main">
   <p:cSld>
     <p:spTree>
@@ -7522,8 +8341,8 @@
           </a:p>
         </p:txBody>
       </p:sp>
-      <mc:AlternateContent xmlns:mc="http://schemas.openxmlformats.org/markup-compatibility/2006">
-        <mc:Choice xmlns:a14="http://schemas.microsoft.com/office/drawing/2010/main" Requires="a14">
+      <mc:AlternateContent xmlns:mc="http://schemas.openxmlformats.org/markup-compatibility/2006" xmlns:a14="http://schemas.microsoft.com/office/drawing/2010/main">
+        <mc:Choice Requires="a14">
           <p:sp>
             <p:nvSpPr>
               <p:cNvPr id="3" name="Marcador de contenido 2">
@@ -7644,7 +8463,7 @@
             </p:txBody>
           </p:sp>
         </mc:Choice>
-        <mc:Fallback>
+        <mc:Fallback xmlns="">
           <p:sp>
             <p:nvSpPr>
               <p:cNvPr id="3" name="Marcador de contenido 2">
@@ -7690,10 +8509,10 @@
       </mc:AlternateContent>
       <p:pic>
         <p:nvPicPr>
-          <p:cNvPr id="8" name="Imagen 7">
+          <p:cNvPr id="5" name="Imagen 4" descr="Texto, Carta&#10;&#10;El contenido generado por IA puede ser incorrecto.">
             <a:extLst>
               <a:ext uri="{FF2B5EF4-FFF2-40B4-BE49-F238E27FC236}">
-                <a16:creationId xmlns:a16="http://schemas.microsoft.com/office/drawing/2014/main" id="{C3B233B2-70A6-58AA-7703-DEAD72BCC8E7}"/>
+                <a16:creationId xmlns:a16="http://schemas.microsoft.com/office/drawing/2014/main" id="{8FA50783-0E8E-DA6A-66EA-9BC3D468F7E6}"/>
               </a:ext>
             </a:extLst>
           </p:cNvPr>
@@ -7710,8 +8529,8 @@
         </p:blipFill>
         <p:spPr>
           <a:xfrm>
-            <a:off x="1146352" y="3074909"/>
-            <a:ext cx="9812119" cy="3134162"/>
+            <a:off x="860072" y="3001296"/>
+            <a:ext cx="9807805" cy="3445986"/>
           </a:xfrm>
           <a:prstGeom prst="rect">
             <a:avLst/>
@@ -7731,7 +8550,7 @@
 </p:sld>
 </file>
 
-<file path=ppt/slides/slide16.xml><?xml version="1.0" encoding="utf-8"?>
+<file path=ppt/slides/slide18.xml><?xml version="1.0" encoding="utf-8"?>
 <p:sld xmlns:a="http://schemas.openxmlformats.org/drawingml/2006/main" xmlns:r="http://schemas.openxmlformats.org/officeDocument/2006/relationships" xmlns:p="http://schemas.openxmlformats.org/presentationml/2006/main">
   <p:cSld>
     <p:spTree>
@@ -7788,8 +8607,8 @@
           </a:p>
         </p:txBody>
       </p:sp>
-      <mc:AlternateContent xmlns:mc="http://schemas.openxmlformats.org/markup-compatibility/2006">
-        <mc:Choice xmlns:a14="http://schemas.microsoft.com/office/drawing/2010/main" Requires="a14">
+      <mc:AlternateContent xmlns:mc="http://schemas.openxmlformats.org/markup-compatibility/2006" xmlns:a14="http://schemas.microsoft.com/office/drawing/2010/main">
+        <mc:Choice Requires="a14">
           <p:sp>
             <p:nvSpPr>
               <p:cNvPr id="3" name="Marcador de contenido 2">
@@ -8592,7 +9411,7 @@
             </p:txBody>
           </p:sp>
         </mc:Choice>
-        <mc:Fallback>
+        <mc:Fallback xmlns="">
           <p:sp>
             <p:nvSpPr>
               <p:cNvPr id="3" name="Marcador de contenido 2">
@@ -8649,7 +9468,7 @@
 </p:sld>
 </file>
 
-<file path=ppt/slides/slide17.xml><?xml version="1.0" encoding="utf-8"?>
+<file path=ppt/slides/slide19.xml><?xml version="1.0" encoding="utf-8"?>
 <p:sld xmlns:a="http://schemas.openxmlformats.org/drawingml/2006/main" xmlns:r="http://schemas.openxmlformats.org/officeDocument/2006/relationships" xmlns:p="http://schemas.openxmlformats.org/presentationml/2006/main">
   <p:cSld>
     <p:spTree>
@@ -9139,7 +9958,305 @@
 </p:sld>
 </file>
 
-<file path=ppt/slides/slide18.xml><?xml version="1.0" encoding="utf-8"?>
+<file path=ppt/slides/slide2.xml><?xml version="1.0" encoding="utf-8"?>
+<p:sld xmlns:a="http://schemas.openxmlformats.org/drawingml/2006/main" xmlns:r="http://schemas.openxmlformats.org/officeDocument/2006/relationships" xmlns:p="http://schemas.openxmlformats.org/presentationml/2006/main">
+  <p:cSld>
+    <p:spTree>
+      <p:nvGrpSpPr>
+        <p:cNvPr id="1" name="">
+          <a:extLst>
+            <a:ext uri="{FF2B5EF4-FFF2-40B4-BE49-F238E27FC236}">
+              <a16:creationId xmlns:a16="http://schemas.microsoft.com/office/drawing/2014/main" id="{4990FC99-F429-7CE7-D974-8EF6315EF8D5}"/>
+            </a:ext>
+          </a:extLst>
+        </p:cNvPr>
+        <p:cNvGrpSpPr/>
+        <p:nvPr/>
+      </p:nvGrpSpPr>
+      <p:grpSpPr>
+        <a:xfrm>
+          <a:off x="0" y="0"/>
+          <a:ext cx="0" cy="0"/>
+          <a:chOff x="0" y="0"/>
+          <a:chExt cx="0" cy="0"/>
+        </a:xfrm>
+      </p:grpSpPr>
+      <p:sp>
+        <p:nvSpPr>
+          <p:cNvPr id="3" name="Marcador de contenido 2">
+            <a:extLst>
+              <a:ext uri="{FF2B5EF4-FFF2-40B4-BE49-F238E27FC236}">
+                <a16:creationId xmlns:a16="http://schemas.microsoft.com/office/drawing/2014/main" id="{4C74819F-48B3-C692-FF8F-587CE1CBE46F}"/>
+              </a:ext>
+            </a:extLst>
+          </p:cNvPr>
+          <p:cNvSpPr>
+            <a:spLocks noGrp="1"/>
+          </p:cNvSpPr>
+          <p:nvPr>
+            <p:ph idx="1"/>
+          </p:nvPr>
+        </p:nvSpPr>
+        <p:spPr>
+          <a:xfrm>
+            <a:off x="767644" y="1426663"/>
+            <a:ext cx="9950103" cy="5094361"/>
+          </a:xfrm>
+        </p:spPr>
+        <p:txBody>
+          <a:bodyPr>
+            <a:normAutofit lnSpcReduction="10000"/>
+          </a:bodyPr>
+          <a:lstStyle/>
+          <a:p>
+            <a:r>
+              <a:rPr lang="en-US" sz="2400" b="1" dirty="0" err="1"/>
+              <a:t>Tipos</a:t>
+            </a:r>
+            <a:r>
+              <a:rPr lang="en-US" sz="2400" b="1" dirty="0"/>
+              <a:t> de Exchanges</a:t>
+            </a:r>
+          </a:p>
+          <a:p>
+            <a:pPr lvl="1"/>
+            <a:r>
+              <a:rPr lang="es-ES" sz="2200" dirty="0"/>
+              <a:t>   </a:t>
+            </a:r>
+            <a:r>
+              <a:rPr lang="es-ES" sz="2200" dirty="0" err="1"/>
+              <a:t>Exchanges</a:t>
+            </a:r>
+            <a:r>
+              <a:rPr lang="es-ES" sz="2200" dirty="0"/>
+              <a:t> centralizados: </a:t>
+            </a:r>
+            <a:r>
+              <a:rPr lang="es-ES" sz="2200" dirty="0" err="1"/>
+              <a:t>Order</a:t>
+            </a:r>
+            <a:r>
+              <a:rPr lang="es-ES" sz="2200" dirty="0"/>
+              <a:t> Book</a:t>
+            </a:r>
+          </a:p>
+          <a:p>
+            <a:pPr lvl="1"/>
+            <a:r>
+              <a:rPr lang="es-ES" sz="2200" dirty="0"/>
+              <a:t>   P2P</a:t>
+            </a:r>
+          </a:p>
+          <a:p>
+            <a:pPr lvl="1"/>
+            <a:r>
+              <a:rPr lang="es-ES" sz="2200" dirty="0"/>
+              <a:t>   </a:t>
+            </a:r>
+            <a:r>
+              <a:rPr lang="es-ES" sz="2200" dirty="0" err="1"/>
+              <a:t>Automated</a:t>
+            </a:r>
+            <a:r>
+              <a:rPr lang="es-ES" sz="2200" dirty="0"/>
+              <a:t> </a:t>
+            </a:r>
+            <a:r>
+              <a:rPr lang="es-ES" sz="2200" dirty="0" err="1"/>
+              <a:t>Market</a:t>
+            </a:r>
+            <a:r>
+              <a:rPr lang="es-ES" sz="2200" dirty="0"/>
+              <a:t> </a:t>
+            </a:r>
+            <a:r>
+              <a:rPr lang="es-ES" sz="2200" dirty="0" err="1"/>
+              <a:t>Makers</a:t>
+            </a:r>
+            <a:endParaRPr lang="es-ES" sz="2200" dirty="0"/>
+          </a:p>
+          <a:p>
+            <a:r>
+              <a:rPr lang="es-ES" sz="2400" b="1" dirty="0" err="1"/>
+              <a:t>Constant</a:t>
+            </a:r>
+            <a:r>
+              <a:rPr lang="es-ES" sz="2400" b="1" dirty="0"/>
+              <a:t> </a:t>
+            </a:r>
+            <a:r>
+              <a:rPr lang="es-ES" sz="2400" b="1" dirty="0" err="1"/>
+              <a:t>Product</a:t>
+            </a:r>
+            <a:r>
+              <a:rPr lang="es-ES" sz="2400" b="1" dirty="0"/>
+              <a:t> </a:t>
+            </a:r>
+            <a:r>
+              <a:rPr lang="es-ES" sz="2400" b="1" dirty="0" err="1"/>
+              <a:t>Market</a:t>
+            </a:r>
+            <a:r>
+              <a:rPr lang="es-ES" sz="2400" b="1" dirty="0"/>
+              <a:t> </a:t>
+            </a:r>
+            <a:r>
+              <a:rPr lang="es-ES" sz="2400" b="1" dirty="0" err="1"/>
+              <a:t>Maker</a:t>
+            </a:r>
+            <a:r>
+              <a:rPr lang="es-ES" sz="2400" b="1" dirty="0"/>
+              <a:t> </a:t>
+            </a:r>
+            <a:r>
+              <a:rPr lang="es-ES" sz="2400" b="1" dirty="0" err="1"/>
+              <a:t>Model</a:t>
+            </a:r>
+            <a:endParaRPr lang="es-ES" sz="2400" b="1" dirty="0"/>
+          </a:p>
+          <a:p>
+            <a:pPr lvl="1"/>
+            <a:r>
+              <a:rPr lang="es-ES" sz="2200" b="1" dirty="0"/>
+              <a:t>   Trading</a:t>
+            </a:r>
+          </a:p>
+          <a:p>
+            <a:pPr lvl="1"/>
+            <a:r>
+              <a:rPr lang="es-ES" sz="2200" b="1" dirty="0"/>
+              <a:t>   </a:t>
+            </a:r>
+            <a:r>
+              <a:rPr lang="es-ES" sz="2200" b="1" dirty="0" err="1"/>
+              <a:t>Liquidity</a:t>
+            </a:r>
+            <a:r>
+              <a:rPr lang="es-ES" sz="2200" b="1" dirty="0"/>
+              <a:t> </a:t>
+            </a:r>
+            <a:r>
+              <a:rPr lang="es-ES" sz="2200" b="1" dirty="0" err="1"/>
+              <a:t>providers</a:t>
+            </a:r>
+            <a:endParaRPr lang="es-ES" sz="2200" b="1" dirty="0"/>
+          </a:p>
+          <a:p>
+            <a:r>
+              <a:rPr lang="es-ES" sz="2400" b="1" dirty="0" err="1"/>
+              <a:t>Uniswap</a:t>
+            </a:r>
+            <a:endParaRPr lang="es-ES" sz="2400" b="1" dirty="0"/>
+          </a:p>
+          <a:p>
+            <a:pPr lvl="1"/>
+            <a:r>
+              <a:rPr lang="es-ES" sz="2200" b="1" dirty="0"/>
+              <a:t>   </a:t>
+            </a:r>
+            <a:r>
+              <a:rPr lang="es-ES" sz="2200" b="1" dirty="0" err="1"/>
+              <a:t>Slippage</a:t>
+            </a:r>
+            <a:endParaRPr lang="es-ES" sz="2200" b="1" dirty="0"/>
+          </a:p>
+          <a:p>
+            <a:pPr lvl="1"/>
+            <a:r>
+              <a:rPr lang="es-ES" sz="2200" dirty="0"/>
+              <a:t>   </a:t>
+            </a:r>
+            <a:r>
+              <a:rPr lang="es-ES" sz="2200" dirty="0" err="1"/>
+              <a:t>Impermanent</a:t>
+            </a:r>
+            <a:r>
+              <a:rPr lang="es-ES" sz="2200" dirty="0"/>
+              <a:t> </a:t>
+            </a:r>
+            <a:r>
+              <a:rPr lang="es-ES" sz="2200" dirty="0" err="1"/>
+              <a:t>Loss</a:t>
+            </a:r>
+            <a:endParaRPr lang="es-ES" sz="2200" dirty="0"/>
+          </a:p>
+          <a:p>
+            <a:pPr lvl="1"/>
+            <a:r>
+              <a:rPr lang="es-ES" sz="2200" dirty="0"/>
+              <a:t>   </a:t>
+            </a:r>
+            <a:r>
+              <a:rPr lang="es-ES" sz="2200" dirty="0" err="1"/>
+              <a:t>Sandwich</a:t>
+            </a:r>
+            <a:r>
+              <a:rPr lang="es-ES" sz="2200" dirty="0"/>
+              <a:t> </a:t>
+            </a:r>
+            <a:r>
+              <a:rPr lang="es-ES" sz="2200" dirty="0" err="1"/>
+              <a:t>Attack</a:t>
+            </a:r>
+            <a:endParaRPr lang="es-ES" sz="2200" dirty="0"/>
+          </a:p>
+          <a:p>
+            <a:pPr lvl="1"/>
+            <a:endParaRPr lang="es-ES" sz="2200" b="1" dirty="0"/>
+          </a:p>
+        </p:txBody>
+      </p:sp>
+      <p:sp>
+        <p:nvSpPr>
+          <p:cNvPr id="4" name="Título 1">
+            <a:extLst>
+              <a:ext uri="{FF2B5EF4-FFF2-40B4-BE49-F238E27FC236}">
+                <a16:creationId xmlns:a16="http://schemas.microsoft.com/office/drawing/2014/main" id="{D6739618-1823-0F6E-B32F-2DF4708EE4B3}"/>
+              </a:ext>
+            </a:extLst>
+          </p:cNvPr>
+          <p:cNvSpPr>
+            <a:spLocks noGrp="1"/>
+          </p:cNvSpPr>
+          <p:nvPr>
+            <p:ph type="title"/>
+          </p:nvPr>
+        </p:nvSpPr>
+        <p:spPr>
+          <a:xfrm>
+            <a:off x="767643" y="499208"/>
+            <a:ext cx="9950103" cy="710160"/>
+          </a:xfrm>
+        </p:spPr>
+        <p:txBody>
+          <a:bodyPr anchor="t">
+            <a:noAutofit/>
+          </a:bodyPr>
+          <a:lstStyle/>
+          <a:p>
+            <a:r>
+              <a:rPr lang="en-US" sz="4000" dirty="0"/>
+              <a:t>Automated Market Makers</a:t>
+            </a:r>
+            <a:endParaRPr lang="es-ES" sz="4000" dirty="0"/>
+          </a:p>
+        </p:txBody>
+      </p:sp>
+    </p:spTree>
+    <p:extLst>
+      <p:ext uri="{BB962C8B-B14F-4D97-AF65-F5344CB8AC3E}">
+        <p14:creationId xmlns:p14="http://schemas.microsoft.com/office/powerpoint/2010/main" val="811486175"/>
+      </p:ext>
+    </p:extLst>
+  </p:cSld>
+  <p:clrMapOvr>
+    <a:masterClrMapping/>
+  </p:clrMapOvr>
+</p:sld>
+</file>
+
+<file path=ppt/slides/slide20.xml><?xml version="1.0" encoding="utf-8"?>
 <p:sld xmlns:a="http://schemas.openxmlformats.org/drawingml/2006/main" xmlns:r="http://schemas.openxmlformats.org/officeDocument/2006/relationships" xmlns:p="http://schemas.openxmlformats.org/presentationml/2006/main">
   <p:cSld>
     <p:spTree>
@@ -9228,8 +10345,8 @@
           </a:p>
         </p:txBody>
       </p:sp>
-      <mc:AlternateContent xmlns:mc="http://schemas.openxmlformats.org/markup-compatibility/2006">
-        <mc:Choice xmlns:a14="http://schemas.microsoft.com/office/drawing/2010/main" Requires="a14">
+      <mc:AlternateContent xmlns:mc="http://schemas.openxmlformats.org/markup-compatibility/2006" xmlns:a14="http://schemas.microsoft.com/office/drawing/2010/main">
+        <mc:Choice Requires="a14">
           <p:sp>
             <p:nvSpPr>
               <p:cNvPr id="3" name="Marcador de contenido 2">
@@ -9479,7 +10596,7 @@
             </p:txBody>
           </p:sp>
         </mc:Choice>
-        <mc:Fallback>
+        <mc:Fallback xmlns="">
           <p:sp>
             <p:nvSpPr>
               <p:cNvPr id="3" name="Marcador de contenido 2">
@@ -9536,7 +10653,7 @@
 </p:sld>
 </file>
 
-<file path=ppt/slides/slide19.xml><?xml version="1.0" encoding="utf-8"?>
+<file path=ppt/slides/slide21.xml><?xml version="1.0" encoding="utf-8"?>
 <p:sld xmlns:a="http://schemas.openxmlformats.org/drawingml/2006/main" xmlns:r="http://schemas.openxmlformats.org/officeDocument/2006/relationships" xmlns:p="http://schemas.openxmlformats.org/presentationml/2006/main">
   <p:cSld>
     <p:spTree>
@@ -9625,8 +10742,8 @@
           </a:p>
         </p:txBody>
       </p:sp>
-      <mc:AlternateContent xmlns:mc="http://schemas.openxmlformats.org/markup-compatibility/2006">
-        <mc:Choice xmlns:a14="http://schemas.microsoft.com/office/drawing/2010/main" Requires="a14">
+      <mc:AlternateContent xmlns:mc="http://schemas.openxmlformats.org/markup-compatibility/2006" xmlns:a14="http://schemas.microsoft.com/office/drawing/2010/main">
+        <mc:Choice Requires="a14">
           <p:sp>
             <p:nvSpPr>
               <p:cNvPr id="4" name="Marcador de contenido 2">
@@ -9962,7 +11079,7 @@
             </p:txBody>
           </p:sp>
         </mc:Choice>
-        <mc:Fallback>
+        <mc:Fallback xmlns="">
           <p:sp>
             <p:nvSpPr>
               <p:cNvPr id="4" name="Marcador de contenido 2">
@@ -10050,305 +11167,7 @@
 </p:sld>
 </file>
 
-<file path=ppt/slides/slide2.xml><?xml version="1.0" encoding="utf-8"?>
-<p:sld xmlns:a="http://schemas.openxmlformats.org/drawingml/2006/main" xmlns:r="http://schemas.openxmlformats.org/officeDocument/2006/relationships" xmlns:p="http://schemas.openxmlformats.org/presentationml/2006/main">
-  <p:cSld>
-    <p:spTree>
-      <p:nvGrpSpPr>
-        <p:cNvPr id="1" name="">
-          <a:extLst>
-            <a:ext uri="{FF2B5EF4-FFF2-40B4-BE49-F238E27FC236}">
-              <a16:creationId xmlns:a16="http://schemas.microsoft.com/office/drawing/2014/main" id="{4990FC99-F429-7CE7-D974-8EF6315EF8D5}"/>
-            </a:ext>
-          </a:extLst>
-        </p:cNvPr>
-        <p:cNvGrpSpPr/>
-        <p:nvPr/>
-      </p:nvGrpSpPr>
-      <p:grpSpPr>
-        <a:xfrm>
-          <a:off x="0" y="0"/>
-          <a:ext cx="0" cy="0"/>
-          <a:chOff x="0" y="0"/>
-          <a:chExt cx="0" cy="0"/>
-        </a:xfrm>
-      </p:grpSpPr>
-      <p:sp>
-        <p:nvSpPr>
-          <p:cNvPr id="3" name="Marcador de contenido 2">
-            <a:extLst>
-              <a:ext uri="{FF2B5EF4-FFF2-40B4-BE49-F238E27FC236}">
-                <a16:creationId xmlns:a16="http://schemas.microsoft.com/office/drawing/2014/main" id="{4C74819F-48B3-C692-FF8F-587CE1CBE46F}"/>
-              </a:ext>
-            </a:extLst>
-          </p:cNvPr>
-          <p:cNvSpPr>
-            <a:spLocks noGrp="1"/>
-          </p:cNvSpPr>
-          <p:nvPr>
-            <p:ph idx="1"/>
-          </p:nvPr>
-        </p:nvSpPr>
-        <p:spPr>
-          <a:xfrm>
-            <a:off x="767644" y="1426663"/>
-            <a:ext cx="9950103" cy="5094361"/>
-          </a:xfrm>
-        </p:spPr>
-        <p:txBody>
-          <a:bodyPr>
-            <a:normAutofit lnSpcReduction="10000"/>
-          </a:bodyPr>
-          <a:lstStyle/>
-          <a:p>
-            <a:r>
-              <a:rPr lang="en-US" sz="2400" b="1" dirty="0" err="1"/>
-              <a:t>Tipos</a:t>
-            </a:r>
-            <a:r>
-              <a:rPr lang="en-US" sz="2400" b="1" dirty="0"/>
-              <a:t> de Exchanges</a:t>
-            </a:r>
-          </a:p>
-          <a:p>
-            <a:pPr lvl="1"/>
-            <a:r>
-              <a:rPr lang="es-ES" sz="2200" dirty="0"/>
-              <a:t>   </a:t>
-            </a:r>
-            <a:r>
-              <a:rPr lang="es-ES" sz="2200" dirty="0" err="1"/>
-              <a:t>Exchanges</a:t>
-            </a:r>
-            <a:r>
-              <a:rPr lang="es-ES" sz="2200" dirty="0"/>
-              <a:t> centralizados: </a:t>
-            </a:r>
-            <a:r>
-              <a:rPr lang="es-ES" sz="2200" dirty="0" err="1"/>
-              <a:t>Order</a:t>
-            </a:r>
-            <a:r>
-              <a:rPr lang="es-ES" sz="2200" dirty="0"/>
-              <a:t> Book</a:t>
-            </a:r>
-          </a:p>
-          <a:p>
-            <a:pPr lvl="1"/>
-            <a:r>
-              <a:rPr lang="es-ES" sz="2200" dirty="0"/>
-              <a:t>   P2P</a:t>
-            </a:r>
-          </a:p>
-          <a:p>
-            <a:pPr lvl="1"/>
-            <a:r>
-              <a:rPr lang="es-ES" sz="2200" dirty="0"/>
-              <a:t>   </a:t>
-            </a:r>
-            <a:r>
-              <a:rPr lang="es-ES" sz="2200" dirty="0" err="1"/>
-              <a:t>Automated</a:t>
-            </a:r>
-            <a:r>
-              <a:rPr lang="es-ES" sz="2200" dirty="0"/>
-              <a:t> </a:t>
-            </a:r>
-            <a:r>
-              <a:rPr lang="es-ES" sz="2200" dirty="0" err="1"/>
-              <a:t>Market</a:t>
-            </a:r>
-            <a:r>
-              <a:rPr lang="es-ES" sz="2200" dirty="0"/>
-              <a:t> </a:t>
-            </a:r>
-            <a:r>
-              <a:rPr lang="es-ES" sz="2200" dirty="0" err="1"/>
-              <a:t>Makers</a:t>
-            </a:r>
-            <a:endParaRPr lang="es-ES" sz="2200" dirty="0"/>
-          </a:p>
-          <a:p>
-            <a:r>
-              <a:rPr lang="es-ES" sz="2400" b="1" dirty="0" err="1"/>
-              <a:t>Constant</a:t>
-            </a:r>
-            <a:r>
-              <a:rPr lang="es-ES" sz="2400" b="1" dirty="0"/>
-              <a:t> </a:t>
-            </a:r>
-            <a:r>
-              <a:rPr lang="es-ES" sz="2400" b="1" dirty="0" err="1"/>
-              <a:t>Product</a:t>
-            </a:r>
-            <a:r>
-              <a:rPr lang="es-ES" sz="2400" b="1" dirty="0"/>
-              <a:t> </a:t>
-            </a:r>
-            <a:r>
-              <a:rPr lang="es-ES" sz="2400" b="1" dirty="0" err="1"/>
-              <a:t>Market</a:t>
-            </a:r>
-            <a:r>
-              <a:rPr lang="es-ES" sz="2400" b="1" dirty="0"/>
-              <a:t> </a:t>
-            </a:r>
-            <a:r>
-              <a:rPr lang="es-ES" sz="2400" b="1" dirty="0" err="1"/>
-              <a:t>Maker</a:t>
-            </a:r>
-            <a:r>
-              <a:rPr lang="es-ES" sz="2400" b="1" dirty="0"/>
-              <a:t> </a:t>
-            </a:r>
-            <a:r>
-              <a:rPr lang="es-ES" sz="2400" b="1" dirty="0" err="1"/>
-              <a:t>Model</a:t>
-            </a:r>
-            <a:endParaRPr lang="es-ES" sz="2400" b="1" dirty="0"/>
-          </a:p>
-          <a:p>
-            <a:pPr lvl="1"/>
-            <a:r>
-              <a:rPr lang="es-ES" sz="2200" b="1" dirty="0"/>
-              <a:t>   Trading</a:t>
-            </a:r>
-          </a:p>
-          <a:p>
-            <a:pPr lvl="1"/>
-            <a:r>
-              <a:rPr lang="es-ES" sz="2200" b="1" dirty="0"/>
-              <a:t>   </a:t>
-            </a:r>
-            <a:r>
-              <a:rPr lang="es-ES" sz="2200" b="1" dirty="0" err="1"/>
-              <a:t>Liquidity</a:t>
-            </a:r>
-            <a:r>
-              <a:rPr lang="es-ES" sz="2200" b="1" dirty="0"/>
-              <a:t> </a:t>
-            </a:r>
-            <a:r>
-              <a:rPr lang="es-ES" sz="2200" b="1" dirty="0" err="1"/>
-              <a:t>providers</a:t>
-            </a:r>
-            <a:endParaRPr lang="es-ES" sz="2200" b="1" dirty="0"/>
-          </a:p>
-          <a:p>
-            <a:r>
-              <a:rPr lang="es-ES" sz="2400" b="1" dirty="0" err="1"/>
-              <a:t>Uniswap</a:t>
-            </a:r>
-            <a:endParaRPr lang="es-ES" sz="2400" b="1" dirty="0"/>
-          </a:p>
-          <a:p>
-            <a:pPr lvl="1"/>
-            <a:r>
-              <a:rPr lang="es-ES" sz="2200" b="1" dirty="0"/>
-              <a:t>   </a:t>
-            </a:r>
-            <a:r>
-              <a:rPr lang="es-ES" sz="2200" b="1" dirty="0" err="1"/>
-              <a:t>Slippage</a:t>
-            </a:r>
-            <a:endParaRPr lang="es-ES" sz="2200" b="1" dirty="0"/>
-          </a:p>
-          <a:p>
-            <a:pPr lvl="1"/>
-            <a:r>
-              <a:rPr lang="es-ES" sz="2200" dirty="0"/>
-              <a:t>   </a:t>
-            </a:r>
-            <a:r>
-              <a:rPr lang="es-ES" sz="2200" dirty="0" err="1"/>
-              <a:t>Impermanent</a:t>
-            </a:r>
-            <a:r>
-              <a:rPr lang="es-ES" sz="2200" dirty="0"/>
-              <a:t> </a:t>
-            </a:r>
-            <a:r>
-              <a:rPr lang="es-ES" sz="2200" dirty="0" err="1"/>
-              <a:t>Loss</a:t>
-            </a:r>
-            <a:endParaRPr lang="es-ES" sz="2200" dirty="0"/>
-          </a:p>
-          <a:p>
-            <a:pPr lvl="1"/>
-            <a:r>
-              <a:rPr lang="es-ES" sz="2200" dirty="0"/>
-              <a:t>   </a:t>
-            </a:r>
-            <a:r>
-              <a:rPr lang="es-ES" sz="2200" dirty="0" err="1"/>
-              <a:t>Sandwich</a:t>
-            </a:r>
-            <a:r>
-              <a:rPr lang="es-ES" sz="2200" dirty="0"/>
-              <a:t> </a:t>
-            </a:r>
-            <a:r>
-              <a:rPr lang="es-ES" sz="2200" dirty="0" err="1"/>
-              <a:t>Attack</a:t>
-            </a:r>
-            <a:endParaRPr lang="es-ES" sz="2200" dirty="0"/>
-          </a:p>
-          <a:p>
-            <a:pPr lvl="1"/>
-            <a:endParaRPr lang="es-ES" sz="2200" b="1" dirty="0"/>
-          </a:p>
-        </p:txBody>
-      </p:sp>
-      <p:sp>
-        <p:nvSpPr>
-          <p:cNvPr id="4" name="Título 1">
-            <a:extLst>
-              <a:ext uri="{FF2B5EF4-FFF2-40B4-BE49-F238E27FC236}">
-                <a16:creationId xmlns:a16="http://schemas.microsoft.com/office/drawing/2014/main" id="{D6739618-1823-0F6E-B32F-2DF4708EE4B3}"/>
-              </a:ext>
-            </a:extLst>
-          </p:cNvPr>
-          <p:cNvSpPr>
-            <a:spLocks noGrp="1"/>
-          </p:cNvSpPr>
-          <p:nvPr>
-            <p:ph type="title"/>
-          </p:nvPr>
-        </p:nvSpPr>
-        <p:spPr>
-          <a:xfrm>
-            <a:off x="767643" y="499208"/>
-            <a:ext cx="9950103" cy="710160"/>
-          </a:xfrm>
-        </p:spPr>
-        <p:txBody>
-          <a:bodyPr anchor="t">
-            <a:noAutofit/>
-          </a:bodyPr>
-          <a:lstStyle/>
-          <a:p>
-            <a:r>
-              <a:rPr lang="en-US" sz="4000" dirty="0"/>
-              <a:t>Automated Market Makers</a:t>
-            </a:r>
-            <a:endParaRPr lang="es-ES" sz="4000" dirty="0"/>
-          </a:p>
-        </p:txBody>
-      </p:sp>
-    </p:spTree>
-    <p:extLst>
-      <p:ext uri="{BB962C8B-B14F-4D97-AF65-F5344CB8AC3E}">
-        <p14:creationId xmlns:p14="http://schemas.microsoft.com/office/powerpoint/2010/main" val="811486175"/>
-      </p:ext>
-    </p:extLst>
-  </p:cSld>
-  <p:clrMapOvr>
-    <a:masterClrMapping/>
-  </p:clrMapOvr>
-</p:sld>
-</file>
-
-<file path=ppt/slides/slide20.xml><?xml version="1.0" encoding="utf-8"?>
+<file path=ppt/slides/slide22.xml><?xml version="1.0" encoding="utf-8"?>
 <p:sld xmlns:a="http://schemas.openxmlformats.org/drawingml/2006/main" xmlns:r="http://schemas.openxmlformats.org/officeDocument/2006/relationships" xmlns:p="http://schemas.openxmlformats.org/presentationml/2006/main">
   <p:cSld>
     <p:spTree>
@@ -10437,8 +11256,8 @@
           </a:p>
         </p:txBody>
       </p:sp>
-      <mc:AlternateContent xmlns:mc="http://schemas.openxmlformats.org/markup-compatibility/2006">
-        <mc:Choice xmlns:a14="http://schemas.microsoft.com/office/drawing/2010/main" Requires="a14">
+      <mc:AlternateContent xmlns:mc="http://schemas.openxmlformats.org/markup-compatibility/2006" xmlns:a14="http://schemas.microsoft.com/office/drawing/2010/main">
+        <mc:Choice Requires="a14">
           <p:sp>
             <p:nvSpPr>
               <p:cNvPr id="4" name="Marcador de contenido 2">
@@ -10739,7 +11558,7 @@
             </p:txBody>
           </p:sp>
         </mc:Choice>
-        <mc:Fallback>
+        <mc:Fallback xmlns="">
           <p:sp>
             <p:nvSpPr>
               <p:cNvPr id="4" name="Marcador de contenido 2">
@@ -10827,7 +11646,7 @@
 </p:sld>
 </file>
 
-<file path=ppt/slides/slide21.xml><?xml version="1.0" encoding="utf-8"?>
+<file path=ppt/slides/slide23.xml><?xml version="1.0" encoding="utf-8"?>
 <p:sld xmlns:a="http://schemas.openxmlformats.org/drawingml/2006/main" xmlns:r="http://schemas.openxmlformats.org/officeDocument/2006/relationships" xmlns:p="http://schemas.openxmlformats.org/presentationml/2006/main">
   <p:cSld>
     <p:spTree>
@@ -11389,7 +12208,7 @@
 </p:sld>
 </file>
 
-<file path=ppt/slides/slide22.xml><?xml version="1.0" encoding="utf-8"?>
+<file path=ppt/slides/slide24.xml><?xml version="1.0" encoding="utf-8"?>
 <p:sld xmlns:a="http://schemas.openxmlformats.org/drawingml/2006/main" xmlns:r="http://schemas.openxmlformats.org/officeDocument/2006/relationships" xmlns:p="http://schemas.openxmlformats.org/presentationml/2006/main">
   <p:cSld>
     <p:spTree>
@@ -11737,7 +12556,7 @@
                 </a:r>
                 <a:r>
                   <a:rPr lang="es-ES" sz="2600" dirty="0"/>
-                  <a:t>. Tiene dos principales versiones:</a:t>
+                  <a:t>. Sus dos primeras versiones son:</a:t>
                 </a:r>
               </a:p>
               <a:p>
@@ -11836,12 +12655,16 @@
                   <a:t>En este trabajo implementamos </a:t>
                 </a:r>
                 <a:r>
-                  <a:rPr lang="es-ES" sz="2600" dirty="0" err="1"/>
+                  <a:rPr lang="es-ES" sz="2600" b="1" dirty="0" err="1"/>
                   <a:t>Uniswap</a:t>
                 </a:r>
                 <a:r>
+                  <a:rPr lang="es-ES" sz="2600" b="1" dirty="0"/>
+                  <a:t> V1</a:t>
+                </a:r>
+                <a:r>
                   <a:rPr lang="es-ES" sz="2600" dirty="0"/>
-                  <a:t> V1, con una pool de intercambio </a:t>
+                  <a:t>, con una pool de intercambio </a:t>
                 </a:r>
                 <a:r>
                   <a:rPr lang="es-ES" sz="2600" b="1" dirty="0"/>
@@ -11980,7 +12803,7 @@
 </p:sld>
 </file>
 
-<file path=ppt/slides/slide23.xml><?xml version="1.0" encoding="utf-8"?>
+<file path=ppt/slides/slide25.xml><?xml version="1.0" encoding="utf-8"?>
 <p:sld xmlns:a="http://schemas.openxmlformats.org/drawingml/2006/main" xmlns:r="http://schemas.openxmlformats.org/officeDocument/2006/relationships" xmlns:p="http://schemas.openxmlformats.org/presentationml/2006/main">
   <p:cSld>
     <p:spTree>
@@ -12470,7 +13293,7 @@
 </p:sld>
 </file>
 
-<file path=ppt/slides/slide24.xml><?xml version="1.0" encoding="utf-8"?>
+<file path=ppt/slides/slide26.xml><?xml version="1.0" encoding="utf-8"?>
 <p:sld xmlns:a="http://schemas.openxmlformats.org/drawingml/2006/main" xmlns:r="http://schemas.openxmlformats.org/officeDocument/2006/relationships" xmlns:p="http://schemas.openxmlformats.org/presentationml/2006/main">
   <p:cSld>
     <p:spTree>
@@ -13054,7 +13877,7 @@
 </p:sld>
 </file>
 
-<file path=ppt/slides/slide25.xml><?xml version="1.0" encoding="utf-8"?>
+<file path=ppt/slides/slide27.xml><?xml version="1.0" encoding="utf-8"?>
 <p:sld xmlns:a="http://schemas.openxmlformats.org/drawingml/2006/main" xmlns:r="http://schemas.openxmlformats.org/officeDocument/2006/relationships" xmlns:p="http://schemas.openxmlformats.org/presentationml/2006/main">
   <p:cSld>
     <p:spTree>
@@ -13115,8 +13938,8 @@
           </a:p>
         </p:txBody>
       </p:sp>
-      <mc:AlternateContent xmlns:mc="http://schemas.openxmlformats.org/markup-compatibility/2006">
-        <mc:Choice xmlns:a14="http://schemas.microsoft.com/office/drawing/2010/main" Requires="a14">
+      <mc:AlternateContent xmlns:mc="http://schemas.openxmlformats.org/markup-compatibility/2006" xmlns:a14="http://schemas.microsoft.com/office/drawing/2010/main">
+        <mc:Choice Requires="a14">
           <p:sp>
             <p:nvSpPr>
               <p:cNvPr id="3" name="Marcador de contenido 2">
@@ -13658,7 +14481,7 @@
             </p:txBody>
           </p:sp>
         </mc:Choice>
-        <mc:Fallback>
+        <mc:Fallback xmlns="">
           <p:sp>
             <p:nvSpPr>
               <p:cNvPr id="3" name="Marcador de contenido 2">
@@ -13715,7 +14538,7 @@
 </p:sld>
 </file>
 
-<file path=ppt/slides/slide26.xml><?xml version="1.0" encoding="utf-8"?>
+<file path=ppt/slides/slide28.xml><?xml version="1.0" encoding="utf-8"?>
 <p:sld xmlns:a="http://schemas.openxmlformats.org/drawingml/2006/main" xmlns:r="http://schemas.openxmlformats.org/officeDocument/2006/relationships" xmlns:p="http://schemas.openxmlformats.org/presentationml/2006/main">
   <p:cSld>
     <p:spTree>
@@ -13776,8 +14599,8 @@
           </a:p>
         </p:txBody>
       </p:sp>
-      <mc:AlternateContent xmlns:mc="http://schemas.openxmlformats.org/markup-compatibility/2006">
-        <mc:Choice xmlns:a14="http://schemas.microsoft.com/office/drawing/2010/main" Requires="a14">
+      <mc:AlternateContent xmlns:mc="http://schemas.openxmlformats.org/markup-compatibility/2006" xmlns:a14="http://schemas.microsoft.com/office/drawing/2010/main">
+        <mc:Choice Requires="a14">
           <p:sp>
             <p:nvSpPr>
               <p:cNvPr id="4" name="Marcador de contenido 2">
@@ -14274,7 +15097,7 @@
             </p:txBody>
           </p:sp>
         </mc:Choice>
-        <mc:Fallback>
+        <mc:Fallback xmlns="">
           <p:sp>
             <p:nvSpPr>
               <p:cNvPr id="4" name="Marcador de contenido 2">
@@ -14332,7 +15155,7 @@
 </p:sld>
 </file>
 
-<file path=ppt/slides/slide27.xml><?xml version="1.0" encoding="utf-8"?>
+<file path=ppt/slides/slide29.xml><?xml version="1.0" encoding="utf-8"?>
 <p:sld xmlns:a="http://schemas.openxmlformats.org/drawingml/2006/main" xmlns:r="http://schemas.openxmlformats.org/officeDocument/2006/relationships" xmlns:p="http://schemas.openxmlformats.org/presentationml/2006/main">
   <p:cSld>
     <p:spTree>
@@ -14393,8 +15216,8 @@
           </a:p>
         </p:txBody>
       </p:sp>
-      <mc:AlternateContent xmlns:mc="http://schemas.openxmlformats.org/markup-compatibility/2006">
-        <mc:Choice xmlns:a14="http://schemas.microsoft.com/office/drawing/2010/main" Requires="a14">
+      <mc:AlternateContent xmlns:mc="http://schemas.openxmlformats.org/markup-compatibility/2006" xmlns:a14="http://schemas.microsoft.com/office/drawing/2010/main">
+        <mc:Choice Requires="a14">
           <p:sp>
             <p:nvSpPr>
               <p:cNvPr id="3" name="Marcador de contenido 2">
@@ -15173,13 +15996,7 @@
                       <a:rPr lang="es-ES" sz="2600" b="1" i="1">
                         <a:latin typeface="Cambria Math" panose="02040503050406030204" pitchFamily="18" charset="0"/>
                       </a:rPr>
-                      <m:t>𝟒</m:t>
-                    </m:r>
-                    <m:r>
-                      <a:rPr lang="es-ES" sz="2600" b="1" i="1">
-                        <a:latin typeface="Cambria Math" panose="02040503050406030204" pitchFamily="18" charset="0"/>
-                      </a:rPr>
-                      <m:t>𝟎</m:t>
+                      <m:t>𝟒𝟎</m:t>
                     </m:r>
                     <m:r>
                       <a:rPr lang="es-ES" sz="2600" b="1" i="1">
@@ -15389,7 +16206,7 @@
             </p:txBody>
           </p:sp>
         </mc:Choice>
-        <mc:Fallback>
+        <mc:Fallback xmlns="">
           <p:sp>
             <p:nvSpPr>
               <p:cNvPr id="3" name="Marcador de contenido 2">
@@ -16224,8 +17041,32 @@
                 </a:solidFill>
                 <a:cs typeface="Arial" panose="020B0604020202020204" pitchFamily="34" charset="0"/>
               </a:rPr>
-              <a:t>Se desaprovecha la descentralización de Bitcoin</a:t>
-            </a:r>
+              <a:t>Se desaprovecha la descentralización de</a:t>
+            </a:r>
+            <a:r>
+              <a:rPr lang="es-ES" sz="2600" b="1" dirty="0">
+                <a:solidFill>
+                  <a:srgbClr val="C00000"/>
+                </a:solidFill>
+                <a:cs typeface="Arial" panose="020B0604020202020204" pitchFamily="34" charset="0"/>
+              </a:rPr>
+              <a:t> las </a:t>
+            </a:r>
+            <a:r>
+              <a:rPr lang="es-ES" sz="2600" b="1" dirty="0" err="1">
+                <a:solidFill>
+                  <a:srgbClr val="C00000"/>
+                </a:solidFill>
+                <a:cs typeface="Arial" panose="020B0604020202020204" pitchFamily="34" charset="0"/>
+              </a:rPr>
+              <a:t>blockchains</a:t>
+            </a:r>
+            <a:endParaRPr lang="es-ES" sz="2600" b="1" noProof="0" dirty="0">
+              <a:solidFill>
+                <a:srgbClr val="C00000"/>
+              </a:solidFill>
+              <a:cs typeface="Arial" panose="020B0604020202020204" pitchFamily="34" charset="0"/>
+            </a:endParaRPr>
           </a:p>
           <a:p>
             <a:pPr marL="0" indent="0">
@@ -16557,7 +17398,7 @@
           <a:p>
             <a:r>
               <a:rPr lang="es-ES" sz="2600" b="1" noProof="0" dirty="0" err="1"/>
-              <a:t>Automated</a:t>
+              <a:t>Market</a:t>
             </a:r>
             <a:r>
               <a:rPr lang="es-ES" sz="2600" b="1" noProof="0" dirty="0"/>
@@ -16565,7 +17406,15 @@
             </a:r>
             <a:r>
               <a:rPr lang="es-ES" sz="2600" b="1" noProof="0" dirty="0" err="1"/>
-              <a:t>Market</a:t>
+              <a:t>Maker</a:t>
+            </a:r>
+            <a:r>
+              <a:rPr lang="es-ES" sz="2600" b="1" noProof="0" dirty="0"/>
+              <a:t> en </a:t>
+            </a:r>
+            <a:r>
+              <a:rPr lang="es-ES" sz="2600" b="1" noProof="0" dirty="0" err="1"/>
+              <a:t>Order</a:t>
             </a:r>
             <a:r>
               <a:rPr lang="es-ES" sz="2600" b="1" noProof="0" dirty="0"/>
@@ -16573,7 +17422,7 @@
             </a:r>
             <a:r>
               <a:rPr lang="es-ES" sz="2600" b="1" noProof="0" dirty="0" err="1"/>
-              <a:t>Maker</a:t>
+              <a:t>Books</a:t>
             </a:r>
             <a:endParaRPr lang="es-ES" sz="2600" b="1" noProof="0" dirty="0"/>
           </a:p>
@@ -16582,77 +17431,83 @@
               <a:buNone/>
             </a:pPr>
             <a:r>
-              <a:rPr lang="es-ES" sz="2400" dirty="0"/>
-              <a:t>Son mecanismos de intercambio descentralizado basados en </a:t>
-            </a:r>
-            <a:r>
-              <a:rPr lang="es-ES" sz="2400" b="1" dirty="0"/>
-              <a:t>Smart </a:t>
-            </a:r>
-            <a:r>
-              <a:rPr lang="es-ES" sz="2400" b="1" dirty="0" err="1"/>
-              <a:t>contracts</a:t>
-            </a:r>
-            <a:r>
-              <a:rPr lang="es-ES" sz="2400" dirty="0"/>
-              <a:t>, que contienen un conjunto de fondos de liquidez administrados algorítmicamente. En este modelo los usuarios intercambian tokens contra una </a:t>
-            </a:r>
-            <a:r>
-              <a:rPr lang="es-ES" sz="2400" b="1" dirty="0"/>
-              <a:t>pool </a:t>
-            </a:r>
-            <a:r>
-              <a:rPr lang="es-ES" sz="2400" dirty="0"/>
-              <a:t>de liquidez, y los precios se determinan automáticamente mediante una función matemática dependiente de la cantidad de activos que hay en el pool.</a:t>
-            </a:r>
-            <a:endParaRPr lang="es-ES" sz="2400" b="1" i="1" dirty="0"/>
+              <a:rPr lang="es-ES" sz="2400" u="sng" dirty="0"/>
+              <a:t>¿Qué es un </a:t>
+            </a:r>
+            <a:r>
+              <a:rPr lang="es-ES" sz="2400" b="1" u="sng" dirty="0" err="1"/>
+              <a:t>Market</a:t>
+            </a:r>
+            <a:r>
+              <a:rPr lang="es-ES" sz="2400" b="1" u="sng" dirty="0"/>
+              <a:t> </a:t>
+            </a:r>
+            <a:r>
+              <a:rPr lang="es-ES" sz="2400" b="1" u="sng" dirty="0" err="1"/>
+              <a:t>Maker</a:t>
+            </a:r>
+            <a:r>
+              <a:rPr lang="es-ES" sz="2400" u="sng" dirty="0"/>
+              <a:t>?</a:t>
+            </a:r>
           </a:p>
           <a:p>
             <a:pPr marL="0" indent="0">
               <a:buNone/>
             </a:pPr>
             <a:r>
-              <a:rPr lang="es-ES" sz="2400" b="1" dirty="0">
-                <a:solidFill>
-                  <a:srgbClr val="339933"/>
-                </a:solidFill>
-              </a:rPr>
-              <a:t>No se requiere depositar fondos en un intermediario</a:t>
+              <a:rPr lang="es-ES" sz="2400" dirty="0"/>
+              <a:t>Es un participante que siempre está dispuesto a comprar y vender un activo. Publica al mismo tiempo precios de compra (</a:t>
+            </a:r>
+            <a:r>
+              <a:rPr lang="es-ES" sz="2400" b="1" dirty="0" err="1"/>
+              <a:t>bid</a:t>
+            </a:r>
+            <a:r>
+              <a:rPr lang="es-ES" sz="2400" dirty="0"/>
+              <a:t>) y precios de venta (</a:t>
+            </a:r>
+            <a:r>
+              <a:rPr lang="es-ES" sz="2400" b="1" dirty="0" err="1"/>
+              <a:t>ask</a:t>
+            </a:r>
+            <a:r>
+              <a:rPr lang="es-ES" sz="2400" dirty="0"/>
+              <a:t>). </a:t>
+            </a:r>
+          </a:p>
+          <a:p>
+            <a:r>
+              <a:rPr lang="es-ES" sz="2400" dirty="0"/>
+              <a:t>Gana dinero con el </a:t>
+            </a:r>
+            <a:r>
+              <a:rPr lang="es-ES" sz="2400" b="1" dirty="0"/>
+              <a:t>spread</a:t>
+            </a:r>
+            <a:r>
+              <a:rPr lang="es-ES" sz="2400" dirty="0"/>
+              <a:t> (vende un poco más caro de lo que compra). </a:t>
+            </a:r>
+          </a:p>
+          <a:p>
+            <a:r>
+              <a:rPr lang="es-ES" sz="2400" dirty="0"/>
+              <a:t>Aporta liquidez al mercado: gracias a él siempre hay alguien del otro lado de tu </a:t>
+            </a:r>
+            <a:r>
+              <a:rPr lang="es-ES" sz="2400" dirty="0" err="1"/>
+              <a:t>trade</a:t>
+            </a:r>
+            <a:r>
+              <a:rPr lang="es-ES" sz="2400" dirty="0"/>
+              <a:t>.</a:t>
             </a:r>
           </a:p>
           <a:p>
             <a:pPr marL="0" indent="0">
               <a:buNone/>
             </a:pPr>
-            <a:r>
-              <a:rPr lang="es-ES" sz="2400" b="1" dirty="0">
-                <a:solidFill>
-                  <a:srgbClr val="339933"/>
-                </a:solidFill>
-              </a:rPr>
-              <a:t>No se espera a que aparezca una contraparte dispuesta a comerciar al mismo precio, la permutación de tokens es automática y transparente</a:t>
-            </a:r>
-          </a:p>
-          <a:p>
-            <a:pPr marL="0" indent="0">
-              <a:buNone/>
-            </a:pPr>
-            <a:r>
-              <a:rPr lang="es-ES" sz="2400" b="1" dirty="0" err="1">
-                <a:solidFill>
-                  <a:srgbClr val="339933"/>
-                </a:solidFill>
-              </a:rPr>
-              <a:t>Pricing</a:t>
-            </a:r>
-            <a:r>
-              <a:rPr lang="es-ES" sz="2400" b="1" dirty="0">
-                <a:solidFill>
-                  <a:srgbClr val="339933"/>
-                </a:solidFill>
-              </a:rPr>
-              <a:t> determinístico</a:t>
-            </a:r>
             <a:endParaRPr lang="es-ES" sz="2400" dirty="0"/>
           </a:p>
         </p:txBody>
@@ -16671,6 +17526,210 @@
 </file>
 
 <file path=ppt/slides/slide7.xml><?xml version="1.0" encoding="utf-8"?>
+<p:sld xmlns:a="http://schemas.openxmlformats.org/drawingml/2006/main" xmlns:r="http://schemas.openxmlformats.org/officeDocument/2006/relationships" xmlns:p="http://schemas.openxmlformats.org/presentationml/2006/main">
+  <p:cSld>
+    <p:spTree>
+      <p:nvGrpSpPr>
+        <p:cNvPr id="1" name="">
+          <a:extLst>
+            <a:ext uri="{FF2B5EF4-FFF2-40B4-BE49-F238E27FC236}">
+              <a16:creationId xmlns:a16="http://schemas.microsoft.com/office/drawing/2014/main" id="{1E4552C3-FBB6-2C20-F451-E060D4E0FA9C}"/>
+            </a:ext>
+          </a:extLst>
+        </p:cNvPr>
+        <p:cNvGrpSpPr/>
+        <p:nvPr/>
+      </p:nvGrpSpPr>
+      <p:grpSpPr>
+        <a:xfrm>
+          <a:off x="0" y="0"/>
+          <a:ext cx="0" cy="0"/>
+          <a:chOff x="0" y="0"/>
+          <a:chExt cx="0" cy="0"/>
+        </a:xfrm>
+      </p:grpSpPr>
+      <p:sp>
+        <p:nvSpPr>
+          <p:cNvPr id="2" name="Título 1">
+            <a:extLst>
+              <a:ext uri="{FF2B5EF4-FFF2-40B4-BE49-F238E27FC236}">
+                <a16:creationId xmlns:a16="http://schemas.microsoft.com/office/drawing/2014/main" id="{5478776D-8619-30D2-8F88-320744A8970B}"/>
+              </a:ext>
+            </a:extLst>
+          </p:cNvPr>
+          <p:cNvSpPr>
+            <a:spLocks noGrp="1"/>
+          </p:cNvSpPr>
+          <p:nvPr>
+            <p:ph type="title"/>
+          </p:nvPr>
+        </p:nvSpPr>
+        <p:spPr>
+          <a:xfrm>
+            <a:off x="1077361" y="410718"/>
+            <a:ext cx="9950103" cy="710160"/>
+          </a:xfrm>
+        </p:spPr>
+        <p:txBody>
+          <a:bodyPr anchor="t"/>
+          <a:lstStyle/>
+          <a:p>
+            <a:r>
+              <a:rPr lang="en-US" dirty="0" err="1"/>
+              <a:t>Tipos</a:t>
+            </a:r>
+            <a:r>
+              <a:rPr lang="en-US" dirty="0"/>
+              <a:t> de Exchanges</a:t>
+            </a:r>
+            <a:endParaRPr lang="es-ES" dirty="0"/>
+          </a:p>
+        </p:txBody>
+      </p:sp>
+      <p:sp>
+        <p:nvSpPr>
+          <p:cNvPr id="3" name="Marcador de contenido 2">
+            <a:extLst>
+              <a:ext uri="{FF2B5EF4-FFF2-40B4-BE49-F238E27FC236}">
+                <a16:creationId xmlns:a16="http://schemas.microsoft.com/office/drawing/2014/main" id="{DEEB53E1-3EB3-AF71-E95C-3838C67EF867}"/>
+              </a:ext>
+            </a:extLst>
+          </p:cNvPr>
+          <p:cNvSpPr>
+            <a:spLocks noGrp="1"/>
+          </p:cNvSpPr>
+          <p:nvPr>
+            <p:ph idx="1"/>
+          </p:nvPr>
+        </p:nvSpPr>
+        <p:spPr>
+          <a:xfrm>
+            <a:off x="900381" y="973394"/>
+            <a:ext cx="9950103" cy="5250425"/>
+          </a:xfrm>
+        </p:spPr>
+        <p:txBody>
+          <a:bodyPr>
+            <a:noAutofit/>
+          </a:bodyPr>
+          <a:lstStyle/>
+          <a:p>
+            <a:r>
+              <a:rPr lang="es-ES" sz="2600" b="1" noProof="0" dirty="0" err="1"/>
+              <a:t>Automated</a:t>
+            </a:r>
+            <a:r>
+              <a:rPr lang="es-ES" sz="2600" b="1" noProof="0" dirty="0"/>
+              <a:t> </a:t>
+            </a:r>
+            <a:r>
+              <a:rPr lang="es-ES" sz="2600" b="1" noProof="0" dirty="0" err="1"/>
+              <a:t>Market</a:t>
+            </a:r>
+            <a:r>
+              <a:rPr lang="es-ES" sz="2600" b="1" noProof="0" dirty="0"/>
+              <a:t> </a:t>
+            </a:r>
+            <a:r>
+              <a:rPr lang="es-ES" sz="2600" b="1" noProof="0" dirty="0" err="1"/>
+              <a:t>Maker</a:t>
+            </a:r>
+            <a:endParaRPr lang="es-ES" sz="2600" b="1" noProof="0" dirty="0"/>
+          </a:p>
+          <a:p>
+            <a:pPr marL="0" indent="0">
+              <a:buNone/>
+            </a:pPr>
+            <a:r>
+              <a:rPr lang="es-ES" sz="2400" dirty="0"/>
+              <a:t>Son mecanismos de intercambio descentralizado basados en </a:t>
+            </a:r>
+            <a:r>
+              <a:rPr lang="es-ES" sz="2400" b="1" dirty="0"/>
+              <a:t>Smart </a:t>
+            </a:r>
+            <a:r>
+              <a:rPr lang="es-ES" sz="2400" b="1" dirty="0" err="1"/>
+              <a:t>contracts</a:t>
+            </a:r>
+            <a:r>
+              <a:rPr lang="es-ES" sz="2400" dirty="0"/>
+              <a:t>, que contienen un conjunto de fondos de liquidez administrados algorítmicamente. En este modelo los usuarios intercambian tokens contra una </a:t>
+            </a:r>
+            <a:r>
+              <a:rPr lang="es-ES" sz="2400" b="1" dirty="0"/>
+              <a:t>pool </a:t>
+            </a:r>
+            <a:r>
+              <a:rPr lang="es-ES" sz="2400" dirty="0"/>
+              <a:t>de liquidez, y los precios se determinan automáticamente mediante una función matemática dependiente de la cantidad de activos que hay en el pool.</a:t>
+            </a:r>
+            <a:endParaRPr lang="es-ES" sz="2400" b="1" i="1" dirty="0"/>
+          </a:p>
+          <a:p>
+            <a:pPr marL="0" indent="0">
+              <a:buNone/>
+            </a:pPr>
+            <a:r>
+              <a:rPr lang="es-ES" sz="2400" b="1" dirty="0">
+                <a:solidFill>
+                  <a:srgbClr val="339933"/>
+                </a:solidFill>
+              </a:rPr>
+              <a:t>No se requiere depositar fondos en un intermediario</a:t>
+            </a:r>
+          </a:p>
+          <a:p>
+            <a:pPr marL="0" indent="0">
+              <a:buNone/>
+            </a:pPr>
+            <a:r>
+              <a:rPr lang="es-ES" sz="2400" b="1" dirty="0">
+                <a:solidFill>
+                  <a:srgbClr val="339933"/>
+                </a:solidFill>
+              </a:rPr>
+              <a:t>No se espera a que aparezca una contraparte dispuesta a comerciar al mismo precio, la permutación de tokens es automática y transparente</a:t>
+            </a:r>
+          </a:p>
+          <a:p>
+            <a:pPr marL="0" indent="0">
+              <a:buNone/>
+            </a:pPr>
+            <a:r>
+              <a:rPr lang="es-ES" sz="2400" b="1" dirty="0" err="1">
+                <a:solidFill>
+                  <a:srgbClr val="339933"/>
+                </a:solidFill>
+              </a:rPr>
+              <a:t>Pricing</a:t>
+            </a:r>
+            <a:r>
+              <a:rPr lang="es-ES" sz="2400" b="1" dirty="0">
+                <a:solidFill>
+                  <a:srgbClr val="339933"/>
+                </a:solidFill>
+              </a:rPr>
+              <a:t> determinístico</a:t>
+            </a:r>
+            <a:endParaRPr lang="es-ES" sz="2400" dirty="0"/>
+          </a:p>
+        </p:txBody>
+      </p:sp>
+    </p:spTree>
+    <p:extLst>
+      <p:ext uri="{BB962C8B-B14F-4D97-AF65-F5344CB8AC3E}">
+        <p14:creationId xmlns:p14="http://schemas.microsoft.com/office/powerpoint/2010/main" val="3529482915"/>
+      </p:ext>
+    </p:extLst>
+  </p:cSld>
+  <p:clrMapOvr>
+    <a:masterClrMapping/>
+  </p:clrMapOvr>
+</p:sld>
+</file>
+
+<file path=ppt/slides/slide8.xml><?xml version="1.0" encoding="utf-8"?>
 <p:sld xmlns:a="http://schemas.openxmlformats.org/drawingml/2006/main" xmlns:r="http://schemas.openxmlformats.org/officeDocument/2006/relationships" xmlns:p="http://schemas.openxmlformats.org/presentationml/2006/main">
   <p:cSld>
     <p:spTree>
@@ -17184,7 +18243,7 @@
 </p:sld>
 </file>
 
-<file path=ppt/slides/slide8.xml><?xml version="1.0" encoding="utf-8"?>
+<file path=ppt/slides/slide9.xml><?xml version="1.0" encoding="utf-8"?>
 <p:sld xmlns:a="http://schemas.openxmlformats.org/drawingml/2006/main" xmlns:r="http://schemas.openxmlformats.org/officeDocument/2006/relationships" xmlns:p="http://schemas.openxmlformats.org/presentationml/2006/main">
   <p:cSld>
     <p:spTree>
@@ -17273,8 +18332,8 @@
           </a:p>
         </p:txBody>
       </p:sp>
-      <mc:AlternateContent xmlns:mc="http://schemas.openxmlformats.org/markup-compatibility/2006">
-        <mc:Choice xmlns:a14="http://schemas.microsoft.com/office/drawing/2010/main" Requires="a14">
+      <mc:AlternateContent xmlns:mc="http://schemas.openxmlformats.org/markup-compatibility/2006" xmlns:a14="http://schemas.microsoft.com/office/drawing/2010/main">
+        <mc:Choice Requires="a14">
           <p:sp>
             <p:nvSpPr>
               <p:cNvPr id="3" name="Marcador de contenido 2">
@@ -17585,7 +18644,7 @@
             </p:txBody>
           </p:sp>
         </mc:Choice>
-        <mc:Fallback>
+        <mc:Fallback xmlns="">
           <p:sp>
             <p:nvSpPr>
               <p:cNvPr id="3" name="Marcador de contenido 2">
@@ -17633,451 +18692,6 @@
     <p:extLst>
       <p:ext uri="{BB962C8B-B14F-4D97-AF65-F5344CB8AC3E}">
         <p14:creationId xmlns:p14="http://schemas.microsoft.com/office/powerpoint/2010/main" val="660601129"/>
-      </p:ext>
-    </p:extLst>
-  </p:cSld>
-  <p:clrMapOvr>
-    <a:masterClrMapping/>
-  </p:clrMapOvr>
-</p:sld>
-</file>
-
-<file path=ppt/slides/slide9.xml><?xml version="1.0" encoding="utf-8"?>
-<p:sld xmlns:a="http://schemas.openxmlformats.org/drawingml/2006/main" xmlns:r="http://schemas.openxmlformats.org/officeDocument/2006/relationships" xmlns:p="http://schemas.openxmlformats.org/presentationml/2006/main">
-  <p:cSld>
-    <p:spTree>
-      <p:nvGrpSpPr>
-        <p:cNvPr id="1" name="">
-          <a:extLst>
-            <a:ext uri="{FF2B5EF4-FFF2-40B4-BE49-F238E27FC236}">
-              <a16:creationId xmlns:a16="http://schemas.microsoft.com/office/drawing/2014/main" id="{59F78C39-31A8-A93B-BA90-89F56BCF0688}"/>
-            </a:ext>
-          </a:extLst>
-        </p:cNvPr>
-        <p:cNvGrpSpPr/>
-        <p:nvPr/>
-      </p:nvGrpSpPr>
-      <p:grpSpPr>
-        <a:xfrm>
-          <a:off x="0" y="0"/>
-          <a:ext cx="0" cy="0"/>
-          <a:chOff x="0" y="0"/>
-          <a:chExt cx="0" cy="0"/>
-        </a:xfrm>
-      </p:grpSpPr>
-      <p:sp>
-        <p:nvSpPr>
-          <p:cNvPr id="2" name="Título 1">
-            <a:extLst>
-              <a:ext uri="{FF2B5EF4-FFF2-40B4-BE49-F238E27FC236}">
-                <a16:creationId xmlns:a16="http://schemas.microsoft.com/office/drawing/2014/main" id="{2F26EE5A-1031-A78F-1273-EA986990DD45}"/>
-              </a:ext>
-            </a:extLst>
-          </p:cNvPr>
-          <p:cNvSpPr>
-            <a:spLocks noGrp="1"/>
-          </p:cNvSpPr>
-          <p:nvPr>
-            <p:ph type="title"/>
-          </p:nvPr>
-        </p:nvSpPr>
-        <p:spPr>
-          <a:xfrm>
-            <a:off x="1077361" y="410718"/>
-            <a:ext cx="9950103" cy="710160"/>
-          </a:xfrm>
-        </p:spPr>
-        <p:txBody>
-          <a:bodyPr anchor="t"/>
-          <a:lstStyle/>
-          <a:p>
-            <a:r>
-              <a:rPr lang="es-ES" dirty="0" err="1"/>
-              <a:t>Constant</a:t>
-            </a:r>
-            <a:r>
-              <a:rPr lang="es-ES" dirty="0"/>
-              <a:t> </a:t>
-            </a:r>
-            <a:r>
-              <a:rPr lang="es-ES" dirty="0" err="1"/>
-              <a:t>Product</a:t>
-            </a:r>
-            <a:r>
-              <a:rPr lang="es-ES" dirty="0"/>
-              <a:t> </a:t>
-            </a:r>
-            <a:r>
-              <a:rPr lang="es-ES" dirty="0" err="1"/>
-              <a:t>Market</a:t>
-            </a:r>
-            <a:r>
-              <a:rPr lang="es-ES" dirty="0"/>
-              <a:t> </a:t>
-            </a:r>
-            <a:r>
-              <a:rPr lang="es-ES" dirty="0" err="1"/>
-              <a:t>Maker</a:t>
-            </a:r>
-            <a:r>
-              <a:rPr lang="es-ES" dirty="0"/>
-              <a:t> </a:t>
-            </a:r>
-            <a:r>
-              <a:rPr lang="es-ES" dirty="0" err="1"/>
-              <a:t>Model</a:t>
-            </a:r>
-            <a:endParaRPr lang="es-ES" dirty="0"/>
-          </a:p>
-        </p:txBody>
-      </p:sp>
-      <mc:AlternateContent xmlns:mc="http://schemas.openxmlformats.org/markup-compatibility/2006">
-        <mc:Choice xmlns:a14="http://schemas.microsoft.com/office/drawing/2010/main" Requires="a14">
-          <p:sp>
-            <p:nvSpPr>
-              <p:cNvPr id="3" name="Marcador de contenido 2">
-                <a:extLst>
-                  <a:ext uri="{FF2B5EF4-FFF2-40B4-BE49-F238E27FC236}">
-                    <a16:creationId xmlns:a16="http://schemas.microsoft.com/office/drawing/2014/main" id="{FEFD6B6C-CE1E-5713-1BC0-6C49457A2DD5}"/>
-                  </a:ext>
-                </a:extLst>
-              </p:cNvPr>
-              <p:cNvSpPr>
-                <a:spLocks noGrp="1"/>
-              </p:cNvSpPr>
-              <p:nvPr>
-                <p:ph idx="1"/>
-              </p:nvPr>
-            </p:nvSpPr>
-            <p:spPr>
-              <a:xfrm>
-                <a:off x="1077361" y="1196857"/>
-                <a:ext cx="9950103" cy="5250425"/>
-              </a:xfrm>
-            </p:spPr>
-            <p:txBody>
-              <a:bodyPr>
-                <a:normAutofit fontScale="92500" lnSpcReduction="10000"/>
-              </a:bodyPr>
-              <a:lstStyle/>
-              <a:p>
-                <a:r>
-                  <a:rPr lang="es-ES" sz="2600" b="1" dirty="0"/>
-                  <a:t>Implementación del modelo</a:t>
-                </a:r>
-              </a:p>
-              <a:p>
-                <a:pPr marL="0" indent="0">
-                  <a:buNone/>
-                </a:pPr>
-                <a:r>
-                  <a:rPr lang="es-ES" sz="2600" noProof="0" dirty="0"/>
-                  <a:t>El </a:t>
-                </a:r>
-                <a:r>
-                  <a:rPr lang="es-ES" sz="2600" noProof="0" dirty="0" err="1"/>
-                  <a:t>Market</a:t>
-                </a:r>
-                <a:r>
-                  <a:rPr lang="es-ES" sz="2600" noProof="0" dirty="0"/>
-                  <a:t> </a:t>
-                </a:r>
-                <a:r>
-                  <a:rPr lang="es-ES" sz="2600" noProof="0" dirty="0" err="1"/>
-                  <a:t>Maker</a:t>
-                </a:r>
-                <a:r>
-                  <a:rPr lang="es-ES" sz="2600" noProof="0" dirty="0"/>
-                  <a:t> </a:t>
-                </a:r>
-                <a:r>
-                  <a:rPr lang="es-ES" sz="2600" noProof="0" dirty="0" err="1"/>
-                  <a:t>Model</a:t>
-                </a:r>
-                <a:r>
-                  <a:rPr lang="es-ES" sz="2600" noProof="0" dirty="0"/>
-                  <a:t> es un </a:t>
-                </a:r>
-                <a:r>
-                  <a:rPr lang="es-ES" sz="2600" b="1" noProof="0" dirty="0"/>
-                  <a:t>sistema de transición de estados</a:t>
-                </a:r>
-                <a:r>
-                  <a:rPr lang="es-ES" sz="2600" noProof="0" dirty="0"/>
-                  <a:t>, en donde tenemos una tupla </a:t>
-                </a:r>
-                <a14:m>
-                  <m:oMath xmlns:m="http://schemas.openxmlformats.org/officeDocument/2006/math">
-                    <m:d>
-                      <m:dPr>
-                        <m:ctrlPr>
-                          <a:rPr lang="es-ES" sz="2600" b="1" i="1" noProof="0" smtClean="0">
-                            <a:latin typeface="Cambria Math" panose="02040503050406030204" pitchFamily="18" charset="0"/>
-                          </a:rPr>
-                        </m:ctrlPr>
-                      </m:dPr>
-                      <m:e>
-                        <m:r>
-                          <a:rPr lang="es-ES" sz="2600" b="1" i="1" noProof="0" smtClean="0">
-                            <a:latin typeface="Cambria Math" panose="02040503050406030204" pitchFamily="18" charset="0"/>
-                          </a:rPr>
-                          <m:t>𝒆</m:t>
-                        </m:r>
-                        <m:r>
-                          <a:rPr lang="es-ES" sz="2600" b="1" i="1" noProof="0" smtClean="0">
-                            <a:latin typeface="Cambria Math" panose="02040503050406030204" pitchFamily="18" charset="0"/>
-                          </a:rPr>
-                          <m:t>, </m:t>
-                        </m:r>
-                        <m:r>
-                          <a:rPr lang="es-ES" sz="2600" b="1" i="1" noProof="0" smtClean="0">
-                            <a:latin typeface="Cambria Math" panose="02040503050406030204" pitchFamily="18" charset="0"/>
-                          </a:rPr>
-                          <m:t>𝒕</m:t>
-                        </m:r>
-                        <m:r>
-                          <a:rPr lang="es-ES" sz="2600" b="1" i="1" noProof="0" smtClean="0">
-                            <a:latin typeface="Cambria Math" panose="02040503050406030204" pitchFamily="18" charset="0"/>
-                          </a:rPr>
-                          <m:t>, </m:t>
-                        </m:r>
-                        <m:r>
-                          <a:rPr lang="es-ES" sz="2600" b="1" i="1" noProof="0" smtClean="0">
-                            <a:latin typeface="Cambria Math" panose="02040503050406030204" pitchFamily="18" charset="0"/>
-                          </a:rPr>
-                          <m:t>𝒍</m:t>
-                        </m:r>
-                      </m:e>
-                    </m:d>
-                  </m:oMath>
-                </a14:m>
-                <a:r>
-                  <a:rPr lang="es-ES" sz="2600" noProof="0" dirty="0"/>
-                  <a:t> con la que vamos a representar:</a:t>
-                </a:r>
-                <a:endParaRPr lang="es-ES" sz="2600" dirty="0"/>
-              </a:p>
-              <a:p>
-                <a14:m>
-                  <m:oMath xmlns:m="http://schemas.openxmlformats.org/officeDocument/2006/math">
-                    <m:r>
-                      <a:rPr lang="es-ES" sz="2600" b="1" i="1">
-                        <a:latin typeface="Cambria Math" panose="02040503050406030204" pitchFamily="18" charset="0"/>
-                      </a:rPr>
-                      <m:t>𝒆</m:t>
-                    </m:r>
-                  </m:oMath>
-                </a14:m>
-                <a:r>
-                  <a:rPr lang="en-US" sz="2600" b="1" dirty="0"/>
-                  <a:t> = </a:t>
-                </a:r>
-                <a:r>
-                  <a:rPr lang="en-US" sz="2600" dirty="0"/>
-                  <a:t>la </a:t>
-                </a:r>
-                <a:r>
-                  <a:rPr lang="en-US" sz="2600" dirty="0" err="1"/>
-                  <a:t>cantidad</a:t>
-                </a:r>
-                <a:r>
-                  <a:rPr lang="en-US" sz="2600" dirty="0"/>
-                  <a:t> de </a:t>
-                </a:r>
-                <a:r>
-                  <a:rPr lang="en-US" sz="2600" b="1" dirty="0"/>
-                  <a:t>ETH</a:t>
-                </a:r>
-                <a:r>
-                  <a:rPr lang="en-US" sz="2600" dirty="0"/>
-                  <a:t> </a:t>
-                </a:r>
-                <a:r>
-                  <a:rPr lang="en-US" sz="2600" dirty="0" err="1"/>
-                  <a:t>en</a:t>
-                </a:r>
-                <a:r>
-                  <a:rPr lang="en-US" sz="2600" dirty="0"/>
-                  <a:t> </a:t>
-                </a:r>
-                <a:r>
-                  <a:rPr lang="en-US" sz="2600" dirty="0" err="1"/>
-                  <a:t>el</a:t>
-                </a:r>
-                <a:r>
-                  <a:rPr lang="en-US" sz="2600" dirty="0"/>
-                  <a:t> </a:t>
-                </a:r>
-                <a:r>
-                  <a:rPr lang="en-US" sz="2600" dirty="0" err="1"/>
-                  <a:t>contrato</a:t>
-                </a:r>
-                <a:endParaRPr lang="en-US" sz="2600" b="1" dirty="0"/>
-              </a:p>
-              <a:p>
-                <a14:m>
-                  <m:oMath xmlns:m="http://schemas.openxmlformats.org/officeDocument/2006/math">
-                    <m:r>
-                      <a:rPr lang="es-ES" sz="2600" b="1" i="1" smtClean="0">
-                        <a:latin typeface="Cambria Math" panose="02040503050406030204" pitchFamily="18" charset="0"/>
-                      </a:rPr>
-                      <m:t>𝒕</m:t>
-                    </m:r>
-                  </m:oMath>
-                </a14:m>
-                <a:r>
-                  <a:rPr lang="en-US" sz="2600" b="1" dirty="0"/>
-                  <a:t> =</a:t>
-                </a:r>
-                <a:r>
-                  <a:rPr lang="en-US" sz="2600" dirty="0"/>
-                  <a:t> la </a:t>
-                </a:r>
-                <a:r>
-                  <a:rPr lang="en-US" sz="2600" dirty="0" err="1"/>
-                  <a:t>cantidad</a:t>
-                </a:r>
-                <a:r>
-                  <a:rPr lang="en-US" sz="2600" dirty="0"/>
-                  <a:t> </a:t>
-                </a:r>
-                <a:r>
-                  <a:rPr lang="es-ES" sz="2600" dirty="0"/>
-                  <a:t>de </a:t>
-                </a:r>
-                <a:r>
-                  <a:rPr lang="es-ES" sz="2600" b="1" dirty="0"/>
-                  <a:t>exchange tokens</a:t>
-                </a:r>
-              </a:p>
-              <a:p>
-                <a14:m>
-                  <m:oMath xmlns:m="http://schemas.openxmlformats.org/officeDocument/2006/math">
-                    <m:r>
-                      <a:rPr lang="es-ES" sz="2600" b="1" i="1" smtClean="0">
-                        <a:latin typeface="Cambria Math" panose="02040503050406030204" pitchFamily="18" charset="0"/>
-                      </a:rPr>
-                      <m:t>𝒍</m:t>
-                    </m:r>
-                  </m:oMath>
-                </a14:m>
-                <a:r>
-                  <a:rPr lang="en-US" sz="2600" dirty="0"/>
-                  <a:t> </a:t>
-                </a:r>
-                <a:r>
-                  <a:rPr lang="en-US" sz="2600" b="1" dirty="0"/>
-                  <a:t>=</a:t>
-                </a:r>
-                <a:r>
-                  <a:rPr lang="en-US" sz="2600" dirty="0"/>
-                  <a:t> la </a:t>
-                </a:r>
-                <a:r>
-                  <a:rPr lang="en-US" sz="2600" dirty="0" err="1"/>
-                  <a:t>liquidez</a:t>
-                </a:r>
-                <a:r>
-                  <a:rPr lang="en-US" sz="2600" dirty="0"/>
-                  <a:t> total</a:t>
-                </a:r>
-                <a:endParaRPr lang="es-ES" sz="2600" dirty="0"/>
-              </a:p>
-              <a:p>
-                <a:pPr marL="0" indent="0">
-                  <a:buNone/>
-                </a:pPr>
-                <a:r>
-                  <a:rPr lang="es-ES" sz="2600" dirty="0"/>
-                  <a:t>Cada acción de </a:t>
-                </a:r>
-                <a:r>
-                  <a:rPr lang="es-ES" sz="2600" b="1" dirty="0"/>
-                  <a:t>swap</a:t>
-                </a:r>
-                <a:r>
-                  <a:rPr lang="es-ES" sz="2600" dirty="0"/>
-                  <a:t> de tokens, aumento y decremento de liquidez van a actualizar el estado del contrato. Esta implementación está basada en </a:t>
-                </a:r>
-                <a:r>
-                  <a:rPr lang="es-ES" sz="2600" b="1" dirty="0" err="1"/>
-                  <a:t>Uniswap</a:t>
-                </a:r>
-                <a:r>
-                  <a:rPr lang="es-ES" sz="2600" b="1" dirty="0"/>
-                  <a:t> V1</a:t>
-                </a:r>
-                <a:r>
-                  <a:rPr lang="es-ES" sz="2600" dirty="0"/>
-                  <a:t> (explicado más adelante), para el swap tendremos ETH y el exchange token será creado con la herramienta </a:t>
-                </a:r>
-                <a:r>
-                  <a:rPr lang="es-ES" sz="2600" b="1" dirty="0"/>
-                  <a:t>Open Zeppelin</a:t>
-                </a:r>
-                <a:r>
-                  <a:rPr lang="en-US" sz="2600" b="1" dirty="0"/>
-                  <a:t>.</a:t>
-                </a:r>
-                <a:endParaRPr lang="es-ES" sz="2600" noProof="0" dirty="0"/>
-              </a:p>
-              <a:p>
-                <a:pPr marL="0" indent="0">
-                  <a:buNone/>
-                </a:pPr>
-                <a:endParaRPr lang="es-ES" sz="2600" b="1" noProof="0" dirty="0"/>
-              </a:p>
-            </p:txBody>
-          </p:sp>
-        </mc:Choice>
-        <mc:Fallback>
-          <p:sp>
-            <p:nvSpPr>
-              <p:cNvPr id="3" name="Marcador de contenido 2">
-                <a:extLst>
-                  <a:ext uri="{FF2B5EF4-FFF2-40B4-BE49-F238E27FC236}">
-                    <a16:creationId xmlns:a16="http://schemas.microsoft.com/office/drawing/2014/main" id="{FEFD6B6C-CE1E-5713-1BC0-6C49457A2DD5}"/>
-                  </a:ext>
-                </a:extLst>
-              </p:cNvPr>
-              <p:cNvSpPr>
-                <a:spLocks noGrp="1" noRot="1" noChangeAspect="1" noMove="1" noResize="1" noEditPoints="1" noAdjustHandles="1" noChangeArrowheads="1" noChangeShapeType="1" noTextEdit="1"/>
-              </p:cNvSpPr>
-              <p:nvPr>
-                <p:ph idx="1"/>
-              </p:nvPr>
-            </p:nvSpPr>
-            <p:spPr>
-              <a:xfrm>
-                <a:off x="1077361" y="1196857"/>
-                <a:ext cx="9950103" cy="5250425"/>
-              </a:xfrm>
-              <a:blipFill>
-                <a:blip r:embed="rId2"/>
-                <a:stretch>
-                  <a:fillRect l="-980" t="-696" b="-232"/>
-                </a:stretch>
-              </a:blipFill>
-            </p:spPr>
-            <p:txBody>
-              <a:bodyPr/>
-              <a:lstStyle/>
-              <a:p>
-                <a:r>
-                  <a:rPr lang="es-ES">
-                    <a:noFill/>
-                  </a:rPr>
-                  <a:t> </a:t>
-                </a:r>
-              </a:p>
-            </p:txBody>
-          </p:sp>
-        </mc:Fallback>
-      </mc:AlternateContent>
-    </p:spTree>
-    <p:extLst>
-      <p:ext uri="{BB962C8B-B14F-4D97-AF65-F5344CB8AC3E}">
-        <p14:creationId xmlns:p14="http://schemas.microsoft.com/office/powerpoint/2010/main" val="1472867187"/>
       </p:ext>
     </p:extLst>
   </p:cSld>
